--- a/Servlet게시판만들기.pptx
+++ b/Servlet게시판만들기.pptx
@@ -18,6 +18,8 @@
     <p:sldId id="265" r:id="rId12"/>
     <p:sldId id="266" r:id="rId13"/>
     <p:sldId id="267" r:id="rId14"/>
+    <p:sldId id="269" r:id="rId15"/>
+    <p:sldId id="270" r:id="rId16"/>
   </p:sldIdLst>
   <p:sldSz cx="12192000" cy="6858000"/>
   <p:notesSz cx="6858000" cy="9144000"/>
@@ -271,7 +273,7 @@
           <a:p>
             <a:fld id="{5474DB3C-1E24-4908-BDD9-3FA90C535519}" type="datetimeFigureOut">
               <a:rPr lang="ko-KR" altLang="en-US" smtClean="0"/>
-              <a:t>2023-09-08</a:t>
+              <a:t>2023-09-11</a:t>
             </a:fld>
             <a:endParaRPr lang="ko-KR" altLang="en-US"/>
           </a:p>
@@ -469,7 +471,7 @@
           <a:p>
             <a:fld id="{5474DB3C-1E24-4908-BDD9-3FA90C535519}" type="datetimeFigureOut">
               <a:rPr lang="ko-KR" altLang="en-US" smtClean="0"/>
-              <a:t>2023-09-08</a:t>
+              <a:t>2023-09-11</a:t>
             </a:fld>
             <a:endParaRPr lang="ko-KR" altLang="en-US"/>
           </a:p>
@@ -677,7 +679,7 @@
           <a:p>
             <a:fld id="{5474DB3C-1E24-4908-BDD9-3FA90C535519}" type="datetimeFigureOut">
               <a:rPr lang="ko-KR" altLang="en-US" smtClean="0"/>
-              <a:t>2023-09-08</a:t>
+              <a:t>2023-09-11</a:t>
             </a:fld>
             <a:endParaRPr lang="ko-KR" altLang="en-US"/>
           </a:p>
@@ -875,7 +877,7 @@
           <a:p>
             <a:fld id="{5474DB3C-1E24-4908-BDD9-3FA90C535519}" type="datetimeFigureOut">
               <a:rPr lang="ko-KR" altLang="en-US" smtClean="0"/>
-              <a:t>2023-09-08</a:t>
+              <a:t>2023-09-11</a:t>
             </a:fld>
             <a:endParaRPr lang="ko-KR" altLang="en-US"/>
           </a:p>
@@ -1150,7 +1152,7 @@
           <a:p>
             <a:fld id="{5474DB3C-1E24-4908-BDD9-3FA90C535519}" type="datetimeFigureOut">
               <a:rPr lang="ko-KR" altLang="en-US" smtClean="0"/>
-              <a:t>2023-09-08</a:t>
+              <a:t>2023-09-11</a:t>
             </a:fld>
             <a:endParaRPr lang="ko-KR" altLang="en-US"/>
           </a:p>
@@ -1415,7 +1417,7 @@
           <a:p>
             <a:fld id="{5474DB3C-1E24-4908-BDD9-3FA90C535519}" type="datetimeFigureOut">
               <a:rPr lang="ko-KR" altLang="en-US" smtClean="0"/>
-              <a:t>2023-09-08</a:t>
+              <a:t>2023-09-11</a:t>
             </a:fld>
             <a:endParaRPr lang="ko-KR" altLang="en-US"/>
           </a:p>
@@ -1827,7 +1829,7 @@
           <a:p>
             <a:fld id="{5474DB3C-1E24-4908-BDD9-3FA90C535519}" type="datetimeFigureOut">
               <a:rPr lang="ko-KR" altLang="en-US" smtClean="0"/>
-              <a:t>2023-09-08</a:t>
+              <a:t>2023-09-11</a:t>
             </a:fld>
             <a:endParaRPr lang="ko-KR" altLang="en-US"/>
           </a:p>
@@ -1968,7 +1970,7 @@
           <a:p>
             <a:fld id="{5474DB3C-1E24-4908-BDD9-3FA90C535519}" type="datetimeFigureOut">
               <a:rPr lang="ko-KR" altLang="en-US" smtClean="0"/>
-              <a:t>2023-09-08</a:t>
+              <a:t>2023-09-11</a:t>
             </a:fld>
             <a:endParaRPr lang="ko-KR" altLang="en-US"/>
           </a:p>
@@ -2081,7 +2083,7 @@
           <a:p>
             <a:fld id="{5474DB3C-1E24-4908-BDD9-3FA90C535519}" type="datetimeFigureOut">
               <a:rPr lang="ko-KR" altLang="en-US" smtClean="0"/>
-              <a:t>2023-09-08</a:t>
+              <a:t>2023-09-11</a:t>
             </a:fld>
             <a:endParaRPr lang="ko-KR" altLang="en-US"/>
           </a:p>
@@ -2392,7 +2394,7 @@
           <a:p>
             <a:fld id="{5474DB3C-1E24-4908-BDD9-3FA90C535519}" type="datetimeFigureOut">
               <a:rPr lang="ko-KR" altLang="en-US" smtClean="0"/>
-              <a:t>2023-09-08</a:t>
+              <a:t>2023-09-11</a:t>
             </a:fld>
             <a:endParaRPr lang="ko-KR" altLang="en-US"/>
           </a:p>
@@ -2680,7 +2682,7 @@
           <a:p>
             <a:fld id="{5474DB3C-1E24-4908-BDD9-3FA90C535519}" type="datetimeFigureOut">
               <a:rPr lang="ko-KR" altLang="en-US" smtClean="0"/>
-              <a:t>2023-09-08</a:t>
+              <a:t>2023-09-11</a:t>
             </a:fld>
             <a:endParaRPr lang="ko-KR" altLang="en-US"/>
           </a:p>
@@ -2921,7 +2923,7 @@
           <a:p>
             <a:fld id="{5474DB3C-1E24-4908-BDD9-3FA90C535519}" type="datetimeFigureOut">
               <a:rPr lang="ko-KR" altLang="en-US" smtClean="0"/>
-              <a:t>2023-09-08</a:t>
+              <a:t>2023-09-11</a:t>
             </a:fld>
             <a:endParaRPr lang="ko-KR" altLang="en-US"/>
           </a:p>
@@ -5497,8 +5499,8 @@
         </p:nvSpPr>
         <p:spPr>
           <a:xfrm>
-            <a:off x="4583503" y="4125029"/>
-            <a:ext cx="6193766" cy="646331"/>
+            <a:off x="4572001" y="3994031"/>
+            <a:ext cx="6205268" cy="646331"/>
           </a:xfrm>
           <a:prstGeom prst="rect">
             <a:avLst/>
@@ -5557,6 +5559,393 @@
     <p:extLst>
       <p:ext uri="{BB962C8B-B14F-4D97-AF65-F5344CB8AC3E}">
         <p14:creationId xmlns:p14="http://schemas.microsoft.com/office/powerpoint/2010/main" val="2414399254"/>
+      </p:ext>
+    </p:extLst>
+  </p:cSld>
+  <p:clrMapOvr>
+    <a:masterClrMapping/>
+  </p:clrMapOvr>
+</p:sld>
+</file>
+
+<file path=ppt/slides/slide14.xml><?xml version="1.0" encoding="utf-8"?>
+<p:sld xmlns:a="http://schemas.openxmlformats.org/drawingml/2006/main" xmlns:r="http://schemas.openxmlformats.org/officeDocument/2006/relationships" xmlns:p="http://schemas.openxmlformats.org/presentationml/2006/main">
+  <p:cSld>
+    <p:spTree>
+      <p:nvGrpSpPr>
+        <p:cNvPr id="1" name=""/>
+        <p:cNvGrpSpPr/>
+        <p:nvPr/>
+      </p:nvGrpSpPr>
+      <p:grpSpPr>
+        <a:xfrm>
+          <a:off x="0" y="0"/>
+          <a:ext cx="0" cy="0"/>
+          <a:chOff x="0" y="0"/>
+          <a:chExt cx="0" cy="0"/>
+        </a:xfrm>
+      </p:grpSpPr>
+      <p:sp>
+        <p:nvSpPr>
+          <p:cNvPr id="2" name="제목 1">
+            <a:extLst>
+              <a:ext uri="{FF2B5EF4-FFF2-40B4-BE49-F238E27FC236}">
+                <a16:creationId xmlns:a16="http://schemas.microsoft.com/office/drawing/2014/main" id="{A3E2F208-BD62-133C-2594-ABBEDD39E26B}"/>
+              </a:ext>
+            </a:extLst>
+          </p:cNvPr>
+          <p:cNvSpPr>
+            <a:spLocks noGrp="1"/>
+          </p:cNvSpPr>
+          <p:nvPr>
+            <p:ph type="title"/>
+          </p:nvPr>
+        </p:nvSpPr>
+        <p:spPr/>
+        <p:txBody>
+          <a:bodyPr/>
+          <a:lstStyle/>
+          <a:p>
+            <a:r>
+              <a:rPr lang="en-US" altLang="ko-KR" dirty="0"/>
+              <a:t>paging (</a:t>
+            </a:r>
+            <a:r>
+              <a:rPr lang="ko-KR" altLang="en-US" dirty="0"/>
+              <a:t>페이지 </a:t>
+            </a:r>
+            <a:r>
+              <a:rPr lang="ko-KR" altLang="en-US" dirty="0" err="1"/>
+              <a:t>네이션</a:t>
+            </a:r>
+            <a:r>
+              <a:rPr lang="en-US" altLang="ko-KR" dirty="0"/>
+              <a:t>)</a:t>
+            </a:r>
+            <a:endParaRPr lang="ko-KR" altLang="en-US" dirty="0"/>
+          </a:p>
+        </p:txBody>
+      </p:sp>
+      <p:sp>
+        <p:nvSpPr>
+          <p:cNvPr id="3" name="내용 개체 틀 2">
+            <a:extLst>
+              <a:ext uri="{FF2B5EF4-FFF2-40B4-BE49-F238E27FC236}">
+                <a16:creationId xmlns:a16="http://schemas.microsoft.com/office/drawing/2014/main" id="{037BF9E5-9AC4-FD1D-5768-99A127566E97}"/>
+              </a:ext>
+            </a:extLst>
+          </p:cNvPr>
+          <p:cNvSpPr>
+            <a:spLocks noGrp="1"/>
+          </p:cNvSpPr>
+          <p:nvPr>
+            <p:ph idx="1"/>
+          </p:nvPr>
+        </p:nvSpPr>
+        <p:spPr/>
+        <p:txBody>
+          <a:bodyPr/>
+          <a:lstStyle/>
+          <a:p>
+            <a:r>
+              <a:rPr lang="en-US" altLang="ko-KR" dirty="0"/>
+              <a:t>select * from board order by </a:t>
+            </a:r>
+            <a:r>
+              <a:rPr lang="en-US" altLang="ko-KR" dirty="0" err="1"/>
+              <a:t>bno</a:t>
+            </a:r>
+            <a:r>
+              <a:rPr lang="en-US" altLang="ko-KR" dirty="0"/>
+              <a:t> desc limit 0, 10</a:t>
+            </a:r>
+          </a:p>
+          <a:p>
+            <a:r>
+              <a:rPr lang="en-US" altLang="ko-KR" dirty="0"/>
+              <a:t>0 =&gt; index </a:t>
+            </a:r>
+            <a:r>
+              <a:rPr lang="ko-KR" altLang="en-US" dirty="0"/>
+              <a:t>번지  </a:t>
+            </a:r>
+            <a:r>
+              <a:rPr lang="en-US" altLang="ko-KR" dirty="0"/>
+              <a:t>|  10 =&gt; </a:t>
+            </a:r>
+            <a:r>
+              <a:rPr lang="ko-KR" altLang="en-US" dirty="0"/>
+              <a:t>한페이지에 출력 개수</a:t>
+            </a:r>
+            <a:endParaRPr lang="en-US" altLang="ko-KR" dirty="0"/>
+          </a:p>
+          <a:p>
+            <a:r>
+              <a:rPr lang="en-US" altLang="ko-KR" dirty="0"/>
+              <a:t>0,</a:t>
+            </a:r>
+            <a:r>
+              <a:rPr lang="ko-KR" altLang="en-US" dirty="0"/>
+              <a:t> </a:t>
+            </a:r>
+            <a:r>
+              <a:rPr lang="en-US" altLang="ko-KR" dirty="0"/>
+              <a:t>10,</a:t>
+            </a:r>
+            <a:r>
+              <a:rPr lang="ko-KR" altLang="en-US" dirty="0"/>
+              <a:t> </a:t>
+            </a:r>
+            <a:r>
+              <a:rPr lang="en-US" altLang="ko-KR" dirty="0"/>
+              <a:t>20,</a:t>
+            </a:r>
+            <a:r>
+              <a:rPr lang="ko-KR" altLang="en-US" dirty="0"/>
+              <a:t> </a:t>
+            </a:r>
+            <a:r>
+              <a:rPr lang="en-US" altLang="ko-KR" dirty="0"/>
+              <a:t>30 …. , </a:t>
+            </a:r>
+            <a:r>
+              <a:rPr lang="ko-KR" altLang="en-US" dirty="0"/>
+              <a:t>개수 </a:t>
+            </a:r>
+            <a:r>
+              <a:rPr lang="en-US" altLang="ko-KR" dirty="0"/>
+              <a:t>10</a:t>
+            </a:r>
+            <a:r>
+              <a:rPr lang="ko-KR" altLang="en-US" dirty="0"/>
+              <a:t>은 고정</a:t>
+            </a:r>
+            <a:endParaRPr lang="en-US" altLang="ko-KR" dirty="0"/>
+          </a:p>
+          <a:p>
+            <a:endParaRPr lang="en-US" altLang="ko-KR" dirty="0"/>
+          </a:p>
+          <a:p>
+            <a:r>
+              <a:rPr lang="en-US" altLang="ko-KR" dirty="0"/>
+              <a:t>list case</a:t>
+            </a:r>
+            <a:r>
+              <a:rPr lang="ko-KR" altLang="en-US" dirty="0"/>
+              <a:t>에서 수정</a:t>
+            </a:r>
+            <a:endParaRPr lang="en-US" altLang="ko-KR" dirty="0"/>
+          </a:p>
+          <a:p>
+            <a:r>
+              <a:rPr lang="en-US" altLang="ko-KR" dirty="0" err="1"/>
+              <a:t>list.jsp</a:t>
+            </a:r>
+            <a:r>
+              <a:rPr lang="en-US" altLang="ko-KR" dirty="0"/>
+              <a:t> </a:t>
+            </a:r>
+            <a:r>
+              <a:rPr lang="ko-KR" altLang="en-US" dirty="0"/>
+              <a:t>하단 </a:t>
+            </a:r>
+            <a:endParaRPr lang="en-US" altLang="ko-KR" dirty="0"/>
+          </a:p>
+          <a:p>
+            <a:r>
+              <a:rPr lang="ko-KR" altLang="en-US" dirty="0"/>
+              <a:t>이전 </a:t>
+            </a:r>
+            <a:r>
+              <a:rPr lang="en-US" altLang="ko-KR" dirty="0"/>
+              <a:t>1 2 3 4 5 6 7 8 9 10 </a:t>
+            </a:r>
+            <a:r>
+              <a:rPr lang="ko-KR" altLang="en-US" dirty="0"/>
+              <a:t>다음</a:t>
+            </a:r>
+            <a:endParaRPr lang="en-US" altLang="ko-KR" dirty="0"/>
+          </a:p>
+          <a:p>
+            <a:r>
+              <a:rPr lang="en-US" altLang="ko-KR" dirty="0"/>
+              <a:t>DB</a:t>
+            </a:r>
+            <a:r>
+              <a:rPr lang="ko-KR" altLang="en-US" dirty="0"/>
+              <a:t>상 총 게시물에 따라 하단 숫자의 값이 변경</a:t>
+            </a:r>
+            <a:endParaRPr lang="en-US" altLang="ko-KR" dirty="0"/>
+          </a:p>
+        </p:txBody>
+      </p:sp>
+    </p:spTree>
+    <p:extLst>
+      <p:ext uri="{BB962C8B-B14F-4D97-AF65-F5344CB8AC3E}">
+        <p14:creationId xmlns:p14="http://schemas.microsoft.com/office/powerpoint/2010/main" val="2286337545"/>
+      </p:ext>
+    </p:extLst>
+  </p:cSld>
+  <p:clrMapOvr>
+    <a:masterClrMapping/>
+  </p:clrMapOvr>
+</p:sld>
+</file>
+
+<file path=ppt/slides/slide15.xml><?xml version="1.0" encoding="utf-8"?>
+<p:sld xmlns:a="http://schemas.openxmlformats.org/drawingml/2006/main" xmlns:r="http://schemas.openxmlformats.org/officeDocument/2006/relationships" xmlns:p="http://schemas.openxmlformats.org/presentationml/2006/main">
+  <p:cSld>
+    <p:spTree>
+      <p:nvGrpSpPr>
+        <p:cNvPr id="1" name=""/>
+        <p:cNvGrpSpPr/>
+        <p:nvPr/>
+      </p:nvGrpSpPr>
+      <p:grpSpPr>
+        <a:xfrm>
+          <a:off x="0" y="0"/>
+          <a:ext cx="0" cy="0"/>
+          <a:chOff x="0" y="0"/>
+          <a:chExt cx="0" cy="0"/>
+        </a:xfrm>
+      </p:grpSpPr>
+      <p:sp>
+        <p:nvSpPr>
+          <p:cNvPr id="2" name="제목 1">
+            <a:extLst>
+              <a:ext uri="{FF2B5EF4-FFF2-40B4-BE49-F238E27FC236}">
+                <a16:creationId xmlns:a16="http://schemas.microsoft.com/office/drawing/2014/main" id="{29750F0F-E776-4769-9A31-CF346968354D}"/>
+              </a:ext>
+            </a:extLst>
+          </p:cNvPr>
+          <p:cNvSpPr>
+            <a:spLocks noGrp="1"/>
+          </p:cNvSpPr>
+          <p:nvPr>
+            <p:ph type="title"/>
+          </p:nvPr>
+        </p:nvSpPr>
+        <p:spPr/>
+        <p:txBody>
+          <a:bodyPr/>
+          <a:lstStyle/>
+          <a:p>
+            <a:r>
+              <a:rPr lang="en-US" altLang="ko-KR" dirty="0"/>
+              <a:t>paging</a:t>
+            </a:r>
+            <a:endParaRPr lang="ko-KR" altLang="en-US" dirty="0"/>
+          </a:p>
+        </p:txBody>
+      </p:sp>
+      <p:sp>
+        <p:nvSpPr>
+          <p:cNvPr id="3" name="내용 개체 틀 2">
+            <a:extLst>
+              <a:ext uri="{FF2B5EF4-FFF2-40B4-BE49-F238E27FC236}">
+                <a16:creationId xmlns:a16="http://schemas.microsoft.com/office/drawing/2014/main" id="{97943239-D3A7-ABF0-B35A-550103E8D9C1}"/>
+              </a:ext>
+            </a:extLst>
+          </p:cNvPr>
+          <p:cNvSpPr>
+            <a:spLocks noGrp="1"/>
+          </p:cNvSpPr>
+          <p:nvPr>
+            <p:ph idx="1"/>
+          </p:nvPr>
+        </p:nvSpPr>
+        <p:spPr/>
+        <p:txBody>
+          <a:bodyPr/>
+          <a:lstStyle/>
+          <a:p>
+            <a:r>
+              <a:rPr lang="ko-KR" altLang="en-US" dirty="0"/>
+              <a:t>페이징의 번호를 눌렀을 때 </a:t>
+            </a:r>
+            <a:r>
+              <a:rPr lang="en-US" altLang="ko-KR" dirty="0"/>
+              <a:t>list</a:t>
+            </a:r>
+            <a:r>
+              <a:rPr lang="ko-KR" altLang="en-US" dirty="0"/>
+              <a:t> 조회를 다시 해서 표현</a:t>
+            </a:r>
+            <a:endParaRPr lang="en-US" altLang="ko-KR" dirty="0"/>
+          </a:p>
+          <a:p>
+            <a:r>
+              <a:rPr lang="en-US" altLang="ko-KR" dirty="0"/>
+              <a:t>1 =&gt; limit “0”, 10 =&gt; (</a:t>
+            </a:r>
+            <a:r>
+              <a:rPr lang="ko-KR" altLang="en-US" dirty="0"/>
+              <a:t>페이지 번호 </a:t>
+            </a:r>
+            <a:r>
+              <a:rPr lang="en-US" altLang="ko-KR" dirty="0"/>
+              <a:t>-1) * 10</a:t>
+            </a:r>
+          </a:p>
+          <a:p>
+            <a:r>
+              <a:rPr lang="en-US" altLang="ko-KR" dirty="0"/>
+              <a:t>2 =&gt; limit “10”, 10</a:t>
+            </a:r>
+          </a:p>
+          <a:p>
+            <a:r>
+              <a:rPr lang="en-US" altLang="ko-KR" dirty="0"/>
+              <a:t>3 =&gt; limit “20”, 10</a:t>
+            </a:r>
+          </a:p>
+          <a:p>
+            <a:r>
+              <a:rPr lang="ko-KR" altLang="en-US" dirty="0"/>
+              <a:t>총 마지막 페이지 개수 </a:t>
+            </a:r>
+            <a:endParaRPr lang="en-US" altLang="ko-KR" dirty="0"/>
+          </a:p>
+          <a:p>
+            <a:r>
+              <a:rPr lang="ko-KR" altLang="en-US" dirty="0"/>
+              <a:t>이전</a:t>
+            </a:r>
+            <a:r>
+              <a:rPr lang="en-US" altLang="ko-KR" dirty="0"/>
+              <a:t>, </a:t>
+            </a:r>
+            <a:r>
+              <a:rPr lang="ko-KR" altLang="en-US" dirty="0"/>
+              <a:t>다음 표시 여부</a:t>
+            </a:r>
+            <a:endParaRPr lang="en-US" altLang="ko-KR" dirty="0"/>
+          </a:p>
+          <a:p>
+            <a:r>
+              <a:rPr lang="ko-KR" altLang="en-US" dirty="0"/>
+              <a:t>다음 버튼 </a:t>
+            </a:r>
+            <a:r>
+              <a:rPr lang="ko-KR" altLang="en-US" dirty="0" err="1"/>
+              <a:t>눌렀을때</a:t>
+            </a:r>
+            <a:r>
+              <a:rPr lang="ko-KR" altLang="en-US" dirty="0"/>
+              <a:t> 표시되는 </a:t>
+            </a:r>
+            <a:r>
+              <a:rPr lang="ko-KR" altLang="en-US" dirty="0" err="1"/>
+              <a:t>페이징</a:t>
+            </a:r>
+            <a:endParaRPr lang="ko-KR" altLang="en-US" dirty="0"/>
+          </a:p>
+        </p:txBody>
+      </p:sp>
+    </p:spTree>
+    <p:extLst>
+      <p:ext uri="{BB962C8B-B14F-4D97-AF65-F5344CB8AC3E}">
+        <p14:creationId xmlns:p14="http://schemas.microsoft.com/office/powerpoint/2010/main" val="4097699891"/>
       </p:ext>
     </p:extLst>
   </p:cSld>

--- a/Servlet게시판만들기.pptx
+++ b/Servlet게시판만들기.pptx
@@ -20,6 +20,10 @@
     <p:sldId id="267" r:id="rId14"/>
     <p:sldId id="269" r:id="rId15"/>
     <p:sldId id="270" r:id="rId16"/>
+    <p:sldId id="271" r:id="rId17"/>
+    <p:sldId id="272" r:id="rId18"/>
+    <p:sldId id="273" r:id="rId19"/>
+    <p:sldId id="274" r:id="rId20"/>
   </p:sldIdLst>
   <p:sldSz cx="12192000" cy="6858000"/>
   <p:notesSz cx="6858000" cy="9144000"/>
@@ -273,7 +277,7 @@
           <a:p>
             <a:fld id="{5474DB3C-1E24-4908-BDD9-3FA90C535519}" type="datetimeFigureOut">
               <a:rPr lang="ko-KR" altLang="en-US" smtClean="0"/>
-              <a:t>2023-09-11</a:t>
+              <a:t>2023-09-12</a:t>
             </a:fld>
             <a:endParaRPr lang="ko-KR" altLang="en-US"/>
           </a:p>
@@ -471,7 +475,7 @@
           <a:p>
             <a:fld id="{5474DB3C-1E24-4908-BDD9-3FA90C535519}" type="datetimeFigureOut">
               <a:rPr lang="ko-KR" altLang="en-US" smtClean="0"/>
-              <a:t>2023-09-11</a:t>
+              <a:t>2023-09-12</a:t>
             </a:fld>
             <a:endParaRPr lang="ko-KR" altLang="en-US"/>
           </a:p>
@@ -679,7 +683,7 @@
           <a:p>
             <a:fld id="{5474DB3C-1E24-4908-BDD9-3FA90C535519}" type="datetimeFigureOut">
               <a:rPr lang="ko-KR" altLang="en-US" smtClean="0"/>
-              <a:t>2023-09-11</a:t>
+              <a:t>2023-09-12</a:t>
             </a:fld>
             <a:endParaRPr lang="ko-KR" altLang="en-US"/>
           </a:p>
@@ -877,7 +881,7 @@
           <a:p>
             <a:fld id="{5474DB3C-1E24-4908-BDD9-3FA90C535519}" type="datetimeFigureOut">
               <a:rPr lang="ko-KR" altLang="en-US" smtClean="0"/>
-              <a:t>2023-09-11</a:t>
+              <a:t>2023-09-12</a:t>
             </a:fld>
             <a:endParaRPr lang="ko-KR" altLang="en-US"/>
           </a:p>
@@ -1152,7 +1156,7 @@
           <a:p>
             <a:fld id="{5474DB3C-1E24-4908-BDD9-3FA90C535519}" type="datetimeFigureOut">
               <a:rPr lang="ko-KR" altLang="en-US" smtClean="0"/>
-              <a:t>2023-09-11</a:t>
+              <a:t>2023-09-12</a:t>
             </a:fld>
             <a:endParaRPr lang="ko-KR" altLang="en-US"/>
           </a:p>
@@ -1417,7 +1421,7 @@
           <a:p>
             <a:fld id="{5474DB3C-1E24-4908-BDD9-3FA90C535519}" type="datetimeFigureOut">
               <a:rPr lang="ko-KR" altLang="en-US" smtClean="0"/>
-              <a:t>2023-09-11</a:t>
+              <a:t>2023-09-12</a:t>
             </a:fld>
             <a:endParaRPr lang="ko-KR" altLang="en-US"/>
           </a:p>
@@ -1829,7 +1833,7 @@
           <a:p>
             <a:fld id="{5474DB3C-1E24-4908-BDD9-3FA90C535519}" type="datetimeFigureOut">
               <a:rPr lang="ko-KR" altLang="en-US" smtClean="0"/>
-              <a:t>2023-09-11</a:t>
+              <a:t>2023-09-12</a:t>
             </a:fld>
             <a:endParaRPr lang="ko-KR" altLang="en-US"/>
           </a:p>
@@ -1970,7 +1974,7 @@
           <a:p>
             <a:fld id="{5474DB3C-1E24-4908-BDD9-3FA90C535519}" type="datetimeFigureOut">
               <a:rPr lang="ko-KR" altLang="en-US" smtClean="0"/>
-              <a:t>2023-09-11</a:t>
+              <a:t>2023-09-12</a:t>
             </a:fld>
             <a:endParaRPr lang="ko-KR" altLang="en-US"/>
           </a:p>
@@ -2083,7 +2087,7 @@
           <a:p>
             <a:fld id="{5474DB3C-1E24-4908-BDD9-3FA90C535519}" type="datetimeFigureOut">
               <a:rPr lang="ko-KR" altLang="en-US" smtClean="0"/>
-              <a:t>2023-09-11</a:t>
+              <a:t>2023-09-12</a:t>
             </a:fld>
             <a:endParaRPr lang="ko-KR" altLang="en-US"/>
           </a:p>
@@ -2394,7 +2398,7 @@
           <a:p>
             <a:fld id="{5474DB3C-1E24-4908-BDD9-3FA90C535519}" type="datetimeFigureOut">
               <a:rPr lang="ko-KR" altLang="en-US" smtClean="0"/>
-              <a:t>2023-09-11</a:t>
+              <a:t>2023-09-12</a:t>
             </a:fld>
             <a:endParaRPr lang="ko-KR" altLang="en-US"/>
           </a:p>
@@ -2682,7 +2686,7 @@
           <a:p>
             <a:fld id="{5474DB3C-1E24-4908-BDD9-3FA90C535519}" type="datetimeFigureOut">
               <a:rPr lang="ko-KR" altLang="en-US" smtClean="0"/>
-              <a:t>2023-09-11</a:t>
+              <a:t>2023-09-12</a:t>
             </a:fld>
             <a:endParaRPr lang="ko-KR" altLang="en-US"/>
           </a:p>
@@ -2923,7 +2927,7 @@
           <a:p>
             <a:fld id="{5474DB3C-1E24-4908-BDD9-3FA90C535519}" type="datetimeFigureOut">
               <a:rPr lang="ko-KR" altLang="en-US" smtClean="0"/>
-              <a:t>2023-09-11</a:t>
+              <a:t>2023-09-12</a:t>
             </a:fld>
             <a:endParaRPr lang="ko-KR" altLang="en-US"/>
           </a:p>
@@ -5946,6 +5950,856 @@
     <p:extLst>
       <p:ext uri="{BB962C8B-B14F-4D97-AF65-F5344CB8AC3E}">
         <p14:creationId xmlns:p14="http://schemas.microsoft.com/office/powerpoint/2010/main" val="4097699891"/>
+      </p:ext>
+    </p:extLst>
+  </p:cSld>
+  <p:clrMapOvr>
+    <a:masterClrMapping/>
+  </p:clrMapOvr>
+</p:sld>
+</file>
+
+<file path=ppt/slides/slide16.xml><?xml version="1.0" encoding="utf-8"?>
+<p:sld xmlns:a="http://schemas.openxmlformats.org/drawingml/2006/main" xmlns:r="http://schemas.openxmlformats.org/officeDocument/2006/relationships" xmlns:p="http://schemas.openxmlformats.org/presentationml/2006/main">
+  <p:cSld>
+    <p:spTree>
+      <p:nvGrpSpPr>
+        <p:cNvPr id="1" name=""/>
+        <p:cNvGrpSpPr/>
+        <p:nvPr/>
+      </p:nvGrpSpPr>
+      <p:grpSpPr>
+        <a:xfrm>
+          <a:off x="0" y="0"/>
+          <a:ext cx="0" cy="0"/>
+          <a:chOff x="0" y="0"/>
+          <a:chExt cx="0" cy="0"/>
+        </a:xfrm>
+      </p:grpSpPr>
+      <p:sp>
+        <p:nvSpPr>
+          <p:cNvPr id="2" name="제목 1">
+            <a:extLst>
+              <a:ext uri="{FF2B5EF4-FFF2-40B4-BE49-F238E27FC236}">
+                <a16:creationId xmlns:a16="http://schemas.microsoft.com/office/drawing/2014/main" id="{B34F720E-F3BB-E1A8-663C-890DA0F60E6D}"/>
+              </a:ext>
+            </a:extLst>
+          </p:cNvPr>
+          <p:cNvSpPr>
+            <a:spLocks noGrp="1"/>
+          </p:cNvSpPr>
+          <p:nvPr>
+            <p:ph type="title"/>
+          </p:nvPr>
+        </p:nvSpPr>
+        <p:spPr/>
+        <p:txBody>
+          <a:bodyPr/>
+          <a:lstStyle/>
+          <a:p>
+            <a:r>
+              <a:rPr lang="en-US" altLang="ko-KR" dirty="0"/>
+              <a:t>search</a:t>
+            </a:r>
+            <a:r>
+              <a:rPr lang="ko-KR" altLang="en-US" dirty="0"/>
+              <a:t> 기능 </a:t>
+            </a:r>
+          </a:p>
+        </p:txBody>
+      </p:sp>
+      <p:sp>
+        <p:nvSpPr>
+          <p:cNvPr id="3" name="내용 개체 틀 2">
+            <a:extLst>
+              <a:ext uri="{FF2B5EF4-FFF2-40B4-BE49-F238E27FC236}">
+                <a16:creationId xmlns:a16="http://schemas.microsoft.com/office/drawing/2014/main" id="{0EB3FDAC-5954-185E-8CB8-5AD683A5BE4F}"/>
+              </a:ext>
+            </a:extLst>
+          </p:cNvPr>
+          <p:cNvSpPr>
+            <a:spLocks noGrp="1"/>
+          </p:cNvSpPr>
+          <p:nvPr>
+            <p:ph idx="1"/>
+          </p:nvPr>
+        </p:nvSpPr>
+        <p:spPr/>
+        <p:txBody>
+          <a:bodyPr/>
+          <a:lstStyle/>
+          <a:p>
+            <a:r>
+              <a:rPr lang="en-US" altLang="ko-KR" dirty="0"/>
+              <a:t>list </a:t>
+            </a:r>
+            <a:r>
+              <a:rPr lang="en-US" altLang="ko-KR" dirty="0" err="1"/>
+              <a:t>jsp</a:t>
+            </a:r>
+            <a:r>
+              <a:rPr lang="en-US" altLang="ko-KR" dirty="0"/>
+              <a:t> </a:t>
+            </a:r>
+            <a:r>
+              <a:rPr lang="ko-KR" altLang="en-US" dirty="0"/>
+              <a:t>페이지에서 검색 기능 추가</a:t>
+            </a:r>
+            <a:endParaRPr lang="en-US" altLang="ko-KR" dirty="0"/>
+          </a:p>
+          <a:p>
+            <a:r>
+              <a:rPr lang="ko-KR" altLang="en-US" dirty="0"/>
+              <a:t>작성자</a:t>
+            </a:r>
+            <a:r>
+              <a:rPr lang="en-US" altLang="ko-KR" dirty="0"/>
+              <a:t>(w), </a:t>
+            </a:r>
+            <a:r>
+              <a:rPr lang="ko-KR" altLang="en-US" dirty="0"/>
+              <a:t>제목</a:t>
+            </a:r>
+            <a:r>
+              <a:rPr lang="en-US" altLang="ko-KR" dirty="0"/>
+              <a:t>(t), </a:t>
+            </a:r>
+            <a:r>
+              <a:rPr lang="ko-KR" altLang="en-US" dirty="0"/>
+              <a:t>내용</a:t>
+            </a:r>
+            <a:r>
+              <a:rPr lang="en-US" altLang="ko-KR" dirty="0"/>
+              <a:t>(c)</a:t>
+            </a:r>
+          </a:p>
+          <a:p>
+            <a:r>
+              <a:rPr lang="ko-KR" altLang="en-US" dirty="0"/>
+              <a:t>작성자</a:t>
+            </a:r>
+            <a:r>
+              <a:rPr lang="en-US" altLang="ko-KR" dirty="0"/>
+              <a:t>+</a:t>
+            </a:r>
+            <a:r>
+              <a:rPr lang="ko-KR" altLang="en-US" dirty="0"/>
+              <a:t>제목</a:t>
+            </a:r>
+            <a:r>
+              <a:rPr lang="en-US" altLang="ko-KR" dirty="0"/>
+              <a:t>(</a:t>
+            </a:r>
+            <a:r>
+              <a:rPr lang="en-US" altLang="ko-KR" dirty="0" err="1"/>
+              <a:t>wt</a:t>
+            </a:r>
+            <a:r>
+              <a:rPr lang="en-US" altLang="ko-KR" dirty="0"/>
+              <a:t>)</a:t>
+            </a:r>
+          </a:p>
+          <a:p>
+            <a:r>
+              <a:rPr lang="ko-KR" altLang="en-US" dirty="0"/>
+              <a:t>작성자</a:t>
+            </a:r>
+            <a:r>
+              <a:rPr lang="en-US" altLang="ko-KR" dirty="0"/>
+              <a:t>+</a:t>
+            </a:r>
+            <a:r>
+              <a:rPr lang="ko-KR" altLang="en-US" dirty="0"/>
+              <a:t>내용 </a:t>
+            </a:r>
+            <a:r>
+              <a:rPr lang="en-US" altLang="ko-KR" dirty="0"/>
+              <a:t>(</a:t>
+            </a:r>
+            <a:r>
+              <a:rPr lang="en-US" altLang="ko-KR" dirty="0" err="1"/>
+              <a:t>wc</a:t>
+            </a:r>
+            <a:r>
+              <a:rPr lang="en-US" altLang="ko-KR" dirty="0"/>
+              <a:t>)</a:t>
+            </a:r>
+          </a:p>
+          <a:p>
+            <a:r>
+              <a:rPr lang="ko-KR" altLang="en-US" dirty="0"/>
+              <a:t>제목</a:t>
+            </a:r>
+            <a:r>
+              <a:rPr lang="en-US" altLang="ko-KR" dirty="0"/>
+              <a:t>+</a:t>
+            </a:r>
+            <a:r>
+              <a:rPr lang="ko-KR" altLang="en-US" dirty="0"/>
+              <a:t>내용 </a:t>
+            </a:r>
+            <a:r>
+              <a:rPr lang="en-US" altLang="ko-KR" dirty="0"/>
+              <a:t>(</a:t>
+            </a:r>
+            <a:r>
+              <a:rPr lang="en-US" altLang="ko-KR" dirty="0" err="1"/>
+              <a:t>tc</a:t>
+            </a:r>
+            <a:r>
+              <a:rPr lang="en-US" altLang="ko-KR" dirty="0"/>
+              <a:t>)</a:t>
+            </a:r>
+          </a:p>
+          <a:p>
+            <a:r>
+              <a:rPr lang="ko-KR" altLang="en-US" dirty="0"/>
+              <a:t>작성자</a:t>
+            </a:r>
+            <a:r>
+              <a:rPr lang="en-US" altLang="ko-KR" dirty="0"/>
+              <a:t>,</a:t>
+            </a:r>
+            <a:r>
+              <a:rPr lang="ko-KR" altLang="en-US" dirty="0"/>
+              <a:t>제목</a:t>
+            </a:r>
+            <a:r>
+              <a:rPr lang="en-US" altLang="ko-KR" dirty="0"/>
+              <a:t>,</a:t>
+            </a:r>
+            <a:r>
+              <a:rPr lang="ko-KR" altLang="en-US" dirty="0"/>
+              <a:t>내용</a:t>
+            </a:r>
+            <a:r>
+              <a:rPr lang="en-US" altLang="ko-KR" dirty="0"/>
+              <a:t>(</a:t>
+            </a:r>
+            <a:r>
+              <a:rPr lang="ko-KR" altLang="en-US" dirty="0"/>
+              <a:t>전체</a:t>
+            </a:r>
+            <a:r>
+              <a:rPr lang="en-US" altLang="ko-KR" dirty="0"/>
+              <a:t>) (</a:t>
+            </a:r>
+            <a:r>
+              <a:rPr lang="en-US" altLang="ko-KR" dirty="0" err="1"/>
+              <a:t>wtc</a:t>
+            </a:r>
+            <a:r>
+              <a:rPr lang="en-US" altLang="ko-KR" dirty="0"/>
+              <a:t>)</a:t>
+            </a:r>
+            <a:endParaRPr lang="ko-KR" altLang="en-US" dirty="0"/>
+          </a:p>
+        </p:txBody>
+      </p:sp>
+    </p:spTree>
+    <p:extLst>
+      <p:ext uri="{BB962C8B-B14F-4D97-AF65-F5344CB8AC3E}">
+        <p14:creationId xmlns:p14="http://schemas.microsoft.com/office/powerpoint/2010/main" val="3936161952"/>
+      </p:ext>
+    </p:extLst>
+  </p:cSld>
+  <p:clrMapOvr>
+    <a:masterClrMapping/>
+  </p:clrMapOvr>
+</p:sld>
+</file>
+
+<file path=ppt/slides/slide17.xml><?xml version="1.0" encoding="utf-8"?>
+<p:sld xmlns:a="http://schemas.openxmlformats.org/drawingml/2006/main" xmlns:r="http://schemas.openxmlformats.org/officeDocument/2006/relationships" xmlns:p="http://schemas.openxmlformats.org/presentationml/2006/main">
+  <p:cSld>
+    <p:spTree>
+      <p:nvGrpSpPr>
+        <p:cNvPr id="1" name=""/>
+        <p:cNvGrpSpPr/>
+        <p:nvPr/>
+      </p:nvGrpSpPr>
+      <p:grpSpPr>
+        <a:xfrm>
+          <a:off x="0" y="0"/>
+          <a:ext cx="0" cy="0"/>
+          <a:chOff x="0" y="0"/>
+          <a:chExt cx="0" cy="0"/>
+        </a:xfrm>
+      </p:grpSpPr>
+      <p:sp>
+        <p:nvSpPr>
+          <p:cNvPr id="2" name="제목 1">
+            <a:extLst>
+              <a:ext uri="{FF2B5EF4-FFF2-40B4-BE49-F238E27FC236}">
+                <a16:creationId xmlns:a16="http://schemas.microsoft.com/office/drawing/2014/main" id="{A75C9554-70E1-D6E3-CAE7-FDD1EBF4FAF4}"/>
+              </a:ext>
+            </a:extLst>
+          </p:cNvPr>
+          <p:cNvSpPr>
+            <a:spLocks noGrp="1"/>
+          </p:cNvSpPr>
+          <p:nvPr>
+            <p:ph type="title"/>
+          </p:nvPr>
+        </p:nvSpPr>
+        <p:spPr/>
+        <p:txBody>
+          <a:bodyPr/>
+          <a:lstStyle/>
+          <a:p>
+            <a:r>
+              <a:rPr lang="en-US" altLang="ko-KR" dirty="0" err="1"/>
+              <a:t>Mybatis</a:t>
+            </a:r>
+            <a:r>
+              <a:rPr lang="en-US" altLang="ko-KR" dirty="0"/>
+              <a:t> </a:t>
+            </a:r>
+            <a:r>
+              <a:rPr lang="ko-KR" altLang="en-US" dirty="0" err="1"/>
+              <a:t>동적쿼리</a:t>
+            </a:r>
+            <a:r>
+              <a:rPr lang="ko-KR" altLang="en-US" dirty="0"/>
+              <a:t> 사용</a:t>
+            </a:r>
+          </a:p>
+        </p:txBody>
+      </p:sp>
+      <p:sp>
+        <p:nvSpPr>
+          <p:cNvPr id="3" name="내용 개체 틀 2">
+            <a:extLst>
+              <a:ext uri="{FF2B5EF4-FFF2-40B4-BE49-F238E27FC236}">
+                <a16:creationId xmlns:a16="http://schemas.microsoft.com/office/drawing/2014/main" id="{5F8E104B-AAD4-6BD2-1E05-C1F65444131A}"/>
+              </a:ext>
+            </a:extLst>
+          </p:cNvPr>
+          <p:cNvSpPr>
+            <a:spLocks noGrp="1"/>
+          </p:cNvSpPr>
+          <p:nvPr>
+            <p:ph idx="1"/>
+          </p:nvPr>
+        </p:nvSpPr>
+        <p:spPr>
+          <a:xfrm>
+            <a:off x="838200" y="1851504"/>
+            <a:ext cx="11178396" cy="4351338"/>
+          </a:xfrm>
+        </p:spPr>
+        <p:txBody>
+          <a:bodyPr/>
+          <a:lstStyle/>
+          <a:p>
+            <a:r>
+              <a:rPr lang="en-US" altLang="ko-KR" dirty="0"/>
+              <a:t>&lt;if&gt; &lt;choose&gt; &lt;foreach&gt;</a:t>
+            </a:r>
+          </a:p>
+          <a:p>
+            <a:r>
+              <a:rPr lang="ko-KR" altLang="en-US" dirty="0"/>
+              <a:t>찾을 테이블에 </a:t>
+            </a:r>
+            <a:r>
+              <a:rPr lang="en-US" altLang="ko-KR" dirty="0"/>
+              <a:t>“% %”</a:t>
+            </a:r>
+            <a:r>
+              <a:rPr lang="ko-KR" altLang="en-US" dirty="0"/>
+              <a:t>를 포함하는 값을 출력</a:t>
+            </a:r>
+            <a:endParaRPr lang="en-US" altLang="ko-KR" dirty="0"/>
+          </a:p>
+          <a:p>
+            <a:r>
+              <a:rPr lang="en-US" altLang="ko-KR" dirty="0"/>
+              <a:t>select * from board where title like "%t%";</a:t>
+            </a:r>
+          </a:p>
+          <a:p>
+            <a:r>
+              <a:rPr lang="en-US" altLang="ko-KR" dirty="0"/>
+              <a:t>select * from board where writer like "%</a:t>
+            </a:r>
+            <a:r>
+              <a:rPr lang="en-US" altLang="ko-KR" dirty="0" err="1"/>
+              <a:t>asdf</a:t>
+            </a:r>
+            <a:r>
+              <a:rPr lang="en-US" altLang="ko-KR" dirty="0"/>
+              <a:t>%";</a:t>
+            </a:r>
+          </a:p>
+          <a:p>
+            <a:r>
+              <a:rPr lang="en-US" altLang="ko-KR" dirty="0"/>
+              <a:t>select * from board where writer like %#{keyword}%; =&gt; </a:t>
+            </a:r>
+            <a:r>
+              <a:rPr lang="ko-KR" altLang="en-US" dirty="0"/>
+              <a:t>인식불가</a:t>
+            </a:r>
+            <a:endParaRPr lang="en-US" altLang="ko-KR" dirty="0"/>
+          </a:p>
+          <a:p>
+            <a:r>
+              <a:rPr lang="en-US" altLang="ko-KR" dirty="0"/>
+              <a:t>like </a:t>
+            </a:r>
+            <a:r>
+              <a:rPr lang="en-US" altLang="ko-KR" dirty="0" err="1"/>
+              <a:t>concat</a:t>
+            </a:r>
+            <a:r>
+              <a:rPr lang="en-US" altLang="ko-KR" dirty="0"/>
+              <a:t>(‘%’,#{keyword},’%’)</a:t>
+            </a:r>
+          </a:p>
+          <a:p>
+            <a:endParaRPr lang="en-US" altLang="ko-KR" dirty="0"/>
+          </a:p>
+        </p:txBody>
+      </p:sp>
+    </p:spTree>
+    <p:extLst>
+      <p:ext uri="{BB962C8B-B14F-4D97-AF65-F5344CB8AC3E}">
+        <p14:creationId xmlns:p14="http://schemas.microsoft.com/office/powerpoint/2010/main" val="2216895380"/>
+      </p:ext>
+    </p:extLst>
+  </p:cSld>
+  <p:clrMapOvr>
+    <a:masterClrMapping/>
+  </p:clrMapOvr>
+</p:sld>
+</file>
+
+<file path=ppt/slides/slide18.xml><?xml version="1.0" encoding="utf-8"?>
+<p:sld xmlns:a="http://schemas.openxmlformats.org/drawingml/2006/main" xmlns:r="http://schemas.openxmlformats.org/officeDocument/2006/relationships" xmlns:p="http://schemas.openxmlformats.org/presentationml/2006/main">
+  <p:cSld>
+    <p:spTree>
+      <p:nvGrpSpPr>
+        <p:cNvPr id="1" name=""/>
+        <p:cNvGrpSpPr/>
+        <p:nvPr/>
+      </p:nvGrpSpPr>
+      <p:grpSpPr>
+        <a:xfrm>
+          <a:off x="0" y="0"/>
+          <a:ext cx="0" cy="0"/>
+          <a:chOff x="0" y="0"/>
+          <a:chExt cx="0" cy="0"/>
+        </a:xfrm>
+      </p:grpSpPr>
+      <p:sp>
+        <p:nvSpPr>
+          <p:cNvPr id="2" name="제목 1">
+            <a:extLst>
+              <a:ext uri="{FF2B5EF4-FFF2-40B4-BE49-F238E27FC236}">
+                <a16:creationId xmlns:a16="http://schemas.microsoft.com/office/drawing/2014/main" id="{0ABC1C47-C74A-6B62-6831-FD813F697FA2}"/>
+              </a:ext>
+            </a:extLst>
+          </p:cNvPr>
+          <p:cNvSpPr>
+            <a:spLocks noGrp="1"/>
+          </p:cNvSpPr>
+          <p:nvPr>
+            <p:ph type="title"/>
+          </p:nvPr>
+        </p:nvSpPr>
+        <p:spPr/>
+        <p:txBody>
+          <a:bodyPr/>
+          <a:lstStyle/>
+          <a:p>
+            <a:r>
+              <a:rPr lang="en-US" altLang="ko-KR" dirty="0"/>
+              <a:t>search + paging</a:t>
+            </a:r>
+            <a:endParaRPr lang="ko-KR" altLang="en-US" dirty="0"/>
+          </a:p>
+        </p:txBody>
+      </p:sp>
+      <p:sp>
+        <p:nvSpPr>
+          <p:cNvPr id="3" name="내용 개체 틀 2">
+            <a:extLst>
+              <a:ext uri="{FF2B5EF4-FFF2-40B4-BE49-F238E27FC236}">
+                <a16:creationId xmlns:a16="http://schemas.microsoft.com/office/drawing/2014/main" id="{4DED2EB8-9A6A-4F31-1107-0BF0EBADC9B7}"/>
+              </a:ext>
+            </a:extLst>
+          </p:cNvPr>
+          <p:cNvSpPr>
+            <a:spLocks noGrp="1"/>
+          </p:cNvSpPr>
+          <p:nvPr>
+            <p:ph idx="1"/>
+          </p:nvPr>
+        </p:nvSpPr>
+        <p:spPr/>
+        <p:txBody>
+          <a:bodyPr/>
+          <a:lstStyle/>
+          <a:p>
+            <a:r>
+              <a:rPr lang="ko-KR" altLang="en-US" dirty="0"/>
+              <a:t>검색에 일치하는 데이터만 리스트로 표시</a:t>
+            </a:r>
+            <a:endParaRPr lang="en-US" altLang="ko-KR" dirty="0"/>
+          </a:p>
+          <a:p>
+            <a:r>
+              <a:rPr lang="ko-KR" altLang="en-US" dirty="0" err="1"/>
+              <a:t>페이지네이션도</a:t>
+            </a:r>
+            <a:r>
+              <a:rPr lang="ko-KR" altLang="en-US" dirty="0"/>
+              <a:t> 검색에 일치하는 데이터만 표시</a:t>
+            </a:r>
+            <a:endParaRPr lang="en-US" altLang="ko-KR" dirty="0"/>
+          </a:p>
+          <a:p>
+            <a:r>
+              <a:rPr lang="ko-KR" altLang="en-US" dirty="0" err="1"/>
+              <a:t>페이지네이션의</a:t>
+            </a:r>
+            <a:r>
+              <a:rPr lang="ko-KR" altLang="en-US" dirty="0"/>
+              <a:t> 숫자를 바꿔도 다음페이지로 이동해도</a:t>
+            </a:r>
+            <a:endParaRPr lang="en-US" altLang="ko-KR" dirty="0"/>
+          </a:p>
+          <a:p>
+            <a:r>
+              <a:rPr lang="ko-KR" altLang="en-US" dirty="0"/>
+              <a:t>해당 검색에 대한 데이터는 변화하면 안됨</a:t>
+            </a:r>
+            <a:r>
+              <a:rPr lang="en-US" altLang="ko-KR" dirty="0"/>
+              <a:t>.</a:t>
+            </a:r>
+            <a:endParaRPr lang="ko-KR" altLang="en-US" dirty="0"/>
+          </a:p>
+        </p:txBody>
+      </p:sp>
+    </p:spTree>
+    <p:extLst>
+      <p:ext uri="{BB962C8B-B14F-4D97-AF65-F5344CB8AC3E}">
+        <p14:creationId xmlns:p14="http://schemas.microsoft.com/office/powerpoint/2010/main" val="4035888274"/>
+      </p:ext>
+    </p:extLst>
+  </p:cSld>
+  <p:clrMapOvr>
+    <a:masterClrMapping/>
+  </p:clrMapOvr>
+</p:sld>
+</file>
+
+<file path=ppt/slides/slide19.xml><?xml version="1.0" encoding="utf-8"?>
+<p:sld xmlns:a="http://schemas.openxmlformats.org/drawingml/2006/main" xmlns:r="http://schemas.openxmlformats.org/officeDocument/2006/relationships" xmlns:p="http://schemas.openxmlformats.org/presentationml/2006/main">
+  <p:cSld>
+    <p:spTree>
+      <p:nvGrpSpPr>
+        <p:cNvPr id="1" name=""/>
+        <p:cNvGrpSpPr/>
+        <p:nvPr/>
+      </p:nvGrpSpPr>
+      <p:grpSpPr>
+        <a:xfrm>
+          <a:off x="0" y="0"/>
+          <a:ext cx="0" cy="0"/>
+          <a:chOff x="0" y="0"/>
+          <a:chExt cx="0" cy="0"/>
+        </a:xfrm>
+      </p:grpSpPr>
+      <p:sp>
+        <p:nvSpPr>
+          <p:cNvPr id="2" name="제목 1">
+            <a:extLst>
+              <a:ext uri="{FF2B5EF4-FFF2-40B4-BE49-F238E27FC236}">
+                <a16:creationId xmlns:a16="http://schemas.microsoft.com/office/drawing/2014/main" id="{DC415FF6-8992-5D2F-1C07-FD9CED144754}"/>
+              </a:ext>
+            </a:extLst>
+          </p:cNvPr>
+          <p:cNvSpPr>
+            <a:spLocks noGrp="1"/>
+          </p:cNvSpPr>
+          <p:nvPr>
+            <p:ph type="title"/>
+          </p:nvPr>
+        </p:nvSpPr>
+        <p:spPr/>
+        <p:txBody>
+          <a:bodyPr/>
+          <a:lstStyle/>
+          <a:p>
+            <a:r>
+              <a:rPr lang="ko-KR" altLang="en-US" dirty="0"/>
+              <a:t>작업순서</a:t>
+            </a:r>
+          </a:p>
+        </p:txBody>
+      </p:sp>
+      <p:sp>
+        <p:nvSpPr>
+          <p:cNvPr id="3" name="내용 개체 틀 2">
+            <a:extLst>
+              <a:ext uri="{FF2B5EF4-FFF2-40B4-BE49-F238E27FC236}">
+                <a16:creationId xmlns:a16="http://schemas.microsoft.com/office/drawing/2014/main" id="{4077BF53-BEE7-DDEE-973D-AC06F92069E8}"/>
+              </a:ext>
+            </a:extLst>
+          </p:cNvPr>
+          <p:cNvSpPr>
+            <a:spLocks noGrp="1"/>
+          </p:cNvSpPr>
+          <p:nvPr>
+            <p:ph idx="1"/>
+          </p:nvPr>
+        </p:nvSpPr>
+        <p:spPr/>
+        <p:txBody>
+          <a:bodyPr>
+            <a:normAutofit fontScale="55000" lnSpcReduction="20000"/>
+          </a:bodyPr>
+          <a:lstStyle/>
+          <a:p>
+            <a:r>
+              <a:rPr lang="ko-KR" altLang="en-US" dirty="0"/>
+              <a:t>환경설정</a:t>
+            </a:r>
+            <a:r>
+              <a:rPr lang="en-US" altLang="ko-KR" dirty="0"/>
+              <a:t>(</a:t>
+            </a:r>
+            <a:r>
+              <a:rPr lang="en-US" altLang="ko-KR" dirty="0" err="1"/>
+              <a:t>encoding,jdk</a:t>
+            </a:r>
+            <a:r>
+              <a:rPr lang="en-US" altLang="ko-KR" dirty="0"/>
+              <a:t> ,server)</a:t>
+            </a:r>
+          </a:p>
+          <a:p>
+            <a:r>
+              <a:rPr lang="en-US" altLang="ko-KR" dirty="0" err="1"/>
+              <a:t>index.jsp</a:t>
+            </a:r>
+            <a:r>
+              <a:rPr lang="en-US" altLang="ko-KR" dirty="0"/>
+              <a:t> </a:t>
+            </a:r>
+            <a:r>
+              <a:rPr lang="ko-KR" altLang="en-US" dirty="0"/>
+              <a:t>설정</a:t>
+            </a:r>
+            <a:endParaRPr lang="en-US" altLang="ko-KR" dirty="0"/>
+          </a:p>
+          <a:p>
+            <a:r>
+              <a:rPr lang="en-US" altLang="ko-KR" dirty="0"/>
+              <a:t>web.xml -&gt; log4j2.xml -&gt; </a:t>
+            </a:r>
+            <a:r>
+              <a:rPr lang="ko-KR" altLang="en-US" dirty="0"/>
+              <a:t>라이브러리 추가</a:t>
+            </a:r>
+            <a:endParaRPr lang="en-US" altLang="ko-KR" dirty="0"/>
+          </a:p>
+          <a:p>
+            <a:r>
+              <a:rPr lang="en-US" altLang="ko-KR" dirty="0"/>
+              <a:t>java</a:t>
+            </a:r>
+            <a:r>
+              <a:rPr lang="ko-KR" altLang="en-US" dirty="0"/>
+              <a:t> 라인 패키지 구성</a:t>
+            </a:r>
+            <a:endParaRPr lang="en-US" altLang="ko-KR" dirty="0"/>
+          </a:p>
+          <a:p>
+            <a:r>
+              <a:rPr lang="en-US" altLang="ko-KR" dirty="0"/>
+              <a:t>(Controller, service, </a:t>
+            </a:r>
+            <a:r>
+              <a:rPr lang="en-US" altLang="ko-KR" dirty="0" err="1"/>
+              <a:t>dao</a:t>
+            </a:r>
+            <a:r>
+              <a:rPr lang="en-US" altLang="ko-KR" dirty="0"/>
+              <a:t>, domain, </a:t>
+            </a:r>
+            <a:r>
+              <a:rPr lang="en-US" altLang="ko-KR" dirty="0" err="1"/>
+              <a:t>orm</a:t>
+            </a:r>
+            <a:r>
+              <a:rPr lang="en-US" altLang="ko-KR" dirty="0"/>
+              <a:t>, mapper,</a:t>
+            </a:r>
+            <a:r>
+              <a:rPr lang="ko-KR" altLang="en-US" dirty="0"/>
+              <a:t> </a:t>
+            </a:r>
+            <a:r>
+              <a:rPr lang="en-US" altLang="ko-KR" dirty="0"/>
+              <a:t>handler)</a:t>
+            </a:r>
+          </a:p>
+          <a:p>
+            <a:r>
+              <a:rPr lang="en-US" altLang="ko-KR" dirty="0"/>
+              <a:t>webapp </a:t>
+            </a:r>
+            <a:r>
+              <a:rPr lang="ko-KR" altLang="en-US" dirty="0"/>
+              <a:t>라인 폴더 구성 </a:t>
+            </a:r>
+            <a:r>
+              <a:rPr lang="en-US" altLang="ko-KR" dirty="0"/>
+              <a:t>(board, member)</a:t>
+            </a:r>
+          </a:p>
+          <a:p>
+            <a:r>
+              <a:rPr lang="en-US" altLang="ko-KR" dirty="0" err="1"/>
+              <a:t>boardVO</a:t>
+            </a:r>
+            <a:r>
+              <a:rPr lang="en-US" altLang="ko-KR" dirty="0"/>
+              <a:t> </a:t>
+            </a:r>
+            <a:r>
+              <a:rPr lang="ko-KR" altLang="en-US" dirty="0"/>
+              <a:t>생성</a:t>
+            </a:r>
+            <a:endParaRPr lang="en-US" altLang="ko-KR" dirty="0"/>
+          </a:p>
+          <a:p>
+            <a:r>
+              <a:rPr lang="en-US" altLang="ko-KR" dirty="0"/>
+              <a:t>controller</a:t>
+            </a:r>
+            <a:r>
+              <a:rPr lang="ko-KR" altLang="en-US" dirty="0"/>
+              <a:t> 작업 </a:t>
+            </a:r>
+            <a:r>
+              <a:rPr lang="en-US" altLang="ko-KR" dirty="0"/>
+              <a:t>-&gt; Servlet </a:t>
+            </a:r>
+            <a:r>
+              <a:rPr lang="ko-KR" altLang="en-US" dirty="0"/>
+              <a:t>생성</a:t>
+            </a:r>
+            <a:endParaRPr lang="en-US" altLang="ko-KR" dirty="0"/>
+          </a:p>
+          <a:p>
+            <a:r>
+              <a:rPr lang="en-US" altLang="ko-KR" dirty="0"/>
+              <a:t>controller -&gt; service -&gt; </a:t>
+            </a:r>
+            <a:r>
+              <a:rPr lang="en-US" altLang="ko-KR" dirty="0" err="1"/>
+              <a:t>dao</a:t>
+            </a:r>
+            <a:r>
+              <a:rPr lang="en-US" altLang="ko-KR" dirty="0"/>
+              <a:t> </a:t>
+            </a:r>
+            <a:r>
+              <a:rPr lang="ko-KR" altLang="en-US" dirty="0"/>
+              <a:t>생성자 객체 생성</a:t>
+            </a:r>
+            <a:endParaRPr lang="en-US" altLang="ko-KR" dirty="0"/>
+          </a:p>
+          <a:p>
+            <a:r>
+              <a:rPr lang="en-US" altLang="ko-KR" dirty="0"/>
+              <a:t>myBatisConfig.xml </a:t>
+            </a:r>
+            <a:r>
+              <a:rPr lang="ko-KR" altLang="en-US" dirty="0"/>
+              <a:t>생성</a:t>
+            </a:r>
+            <a:endParaRPr lang="en-US" altLang="ko-KR" dirty="0"/>
+          </a:p>
+          <a:p>
+            <a:r>
+              <a:rPr lang="en-US" altLang="ko-KR" dirty="0" err="1"/>
+              <a:t>DatabaseConnection</a:t>
+            </a:r>
+            <a:r>
+              <a:rPr lang="en-US" altLang="ko-KR" dirty="0"/>
+              <a:t> class </a:t>
+            </a:r>
+            <a:r>
+              <a:rPr lang="ko-KR" altLang="en-US" dirty="0"/>
+              <a:t>생성</a:t>
+            </a:r>
+            <a:endParaRPr lang="en-US" altLang="ko-KR" dirty="0"/>
+          </a:p>
+          <a:p>
+            <a:r>
+              <a:rPr lang="en-US" altLang="ko-KR" dirty="0"/>
+              <a:t>Mapper </a:t>
+            </a:r>
+            <a:r>
+              <a:rPr lang="ko-KR" altLang="en-US" dirty="0"/>
+              <a:t>생성</a:t>
+            </a:r>
+            <a:endParaRPr lang="en-US" altLang="ko-KR" dirty="0"/>
+          </a:p>
+          <a:p>
+            <a:r>
+              <a:rPr lang="en-US" altLang="ko-KR" dirty="0" err="1"/>
+              <a:t>dao</a:t>
+            </a:r>
+            <a:r>
+              <a:rPr lang="ko-KR" altLang="en-US" dirty="0"/>
+              <a:t>와 </a:t>
+            </a:r>
+            <a:r>
+              <a:rPr lang="en-US" altLang="ko-KR" dirty="0"/>
+              <a:t>Mapper </a:t>
+            </a:r>
+            <a:r>
+              <a:rPr lang="ko-KR" altLang="en-US" dirty="0"/>
+              <a:t>연결</a:t>
+            </a:r>
+            <a:endParaRPr lang="en-US" altLang="ko-KR" dirty="0"/>
+          </a:p>
+          <a:p>
+            <a:r>
+              <a:rPr lang="en-US" altLang="ko-KR" dirty="0" err="1"/>
+              <a:t>jsp</a:t>
+            </a:r>
+            <a:r>
+              <a:rPr lang="en-US" altLang="ko-KR" dirty="0"/>
+              <a:t> </a:t>
+            </a:r>
+            <a:r>
+              <a:rPr lang="ko-KR" altLang="en-US" dirty="0"/>
+              <a:t>생성 </a:t>
+            </a:r>
+            <a:r>
+              <a:rPr lang="en-US" altLang="ko-KR" dirty="0"/>
+              <a:t>-&gt; controller </a:t>
+            </a:r>
+            <a:r>
+              <a:rPr lang="ko-KR" altLang="en-US" dirty="0"/>
+              <a:t>연결</a:t>
+            </a:r>
+            <a:endParaRPr lang="en-US" altLang="ko-KR" dirty="0"/>
+          </a:p>
+        </p:txBody>
+      </p:sp>
+    </p:spTree>
+    <p:extLst>
+      <p:ext uri="{BB962C8B-B14F-4D97-AF65-F5344CB8AC3E}">
+        <p14:creationId xmlns:p14="http://schemas.microsoft.com/office/powerpoint/2010/main" val="2233218915"/>
       </p:ext>
     </p:extLst>
   </p:cSld>

--- a/Servlet게시판만들기.pptx
+++ b/Servlet게시판만들기.pptx
@@ -6,24 +6,28 @@
   </p:sldMasterIdLst>
   <p:sldIdLst>
     <p:sldId id="256" r:id="rId2"/>
-    <p:sldId id="257" r:id="rId3"/>
-    <p:sldId id="258" r:id="rId4"/>
-    <p:sldId id="259" r:id="rId5"/>
-    <p:sldId id="260" r:id="rId6"/>
-    <p:sldId id="261" r:id="rId7"/>
-    <p:sldId id="264" r:id="rId8"/>
-    <p:sldId id="268" r:id="rId9"/>
-    <p:sldId id="263" r:id="rId10"/>
-    <p:sldId id="262" r:id="rId11"/>
-    <p:sldId id="265" r:id="rId12"/>
-    <p:sldId id="266" r:id="rId13"/>
-    <p:sldId id="267" r:id="rId14"/>
-    <p:sldId id="269" r:id="rId15"/>
-    <p:sldId id="270" r:id="rId16"/>
-    <p:sldId id="271" r:id="rId17"/>
-    <p:sldId id="272" r:id="rId18"/>
-    <p:sldId id="273" r:id="rId19"/>
-    <p:sldId id="274" r:id="rId20"/>
+    <p:sldId id="274" r:id="rId3"/>
+    <p:sldId id="257" r:id="rId4"/>
+    <p:sldId id="258" r:id="rId5"/>
+    <p:sldId id="259" r:id="rId6"/>
+    <p:sldId id="260" r:id="rId7"/>
+    <p:sldId id="261" r:id="rId8"/>
+    <p:sldId id="264" r:id="rId9"/>
+    <p:sldId id="268" r:id="rId10"/>
+    <p:sldId id="263" r:id="rId11"/>
+    <p:sldId id="262" r:id="rId12"/>
+    <p:sldId id="265" r:id="rId13"/>
+    <p:sldId id="266" r:id="rId14"/>
+    <p:sldId id="267" r:id="rId15"/>
+    <p:sldId id="269" r:id="rId16"/>
+    <p:sldId id="270" r:id="rId17"/>
+    <p:sldId id="271" r:id="rId18"/>
+    <p:sldId id="272" r:id="rId19"/>
+    <p:sldId id="273" r:id="rId20"/>
+    <p:sldId id="275" r:id="rId21"/>
+    <p:sldId id="276" r:id="rId22"/>
+    <p:sldId id="277" r:id="rId23"/>
+    <p:sldId id="278" r:id="rId24"/>
   </p:sldIdLst>
   <p:sldSz cx="12192000" cy="6858000"/>
   <p:notesSz cx="6858000" cy="9144000"/>
@@ -277,7 +281,7 @@
           <a:p>
             <a:fld id="{5474DB3C-1E24-4908-BDD9-3FA90C535519}" type="datetimeFigureOut">
               <a:rPr lang="ko-KR" altLang="en-US" smtClean="0"/>
-              <a:t>2023-09-12</a:t>
+              <a:t>2023-09-19</a:t>
             </a:fld>
             <a:endParaRPr lang="ko-KR" altLang="en-US"/>
           </a:p>
@@ -475,7 +479,7 @@
           <a:p>
             <a:fld id="{5474DB3C-1E24-4908-BDD9-3FA90C535519}" type="datetimeFigureOut">
               <a:rPr lang="ko-KR" altLang="en-US" smtClean="0"/>
-              <a:t>2023-09-12</a:t>
+              <a:t>2023-09-19</a:t>
             </a:fld>
             <a:endParaRPr lang="ko-KR" altLang="en-US"/>
           </a:p>
@@ -683,7 +687,7 @@
           <a:p>
             <a:fld id="{5474DB3C-1E24-4908-BDD9-3FA90C535519}" type="datetimeFigureOut">
               <a:rPr lang="ko-KR" altLang="en-US" smtClean="0"/>
-              <a:t>2023-09-12</a:t>
+              <a:t>2023-09-19</a:t>
             </a:fld>
             <a:endParaRPr lang="ko-KR" altLang="en-US"/>
           </a:p>
@@ -881,7 +885,7 @@
           <a:p>
             <a:fld id="{5474DB3C-1E24-4908-BDD9-3FA90C535519}" type="datetimeFigureOut">
               <a:rPr lang="ko-KR" altLang="en-US" smtClean="0"/>
-              <a:t>2023-09-12</a:t>
+              <a:t>2023-09-19</a:t>
             </a:fld>
             <a:endParaRPr lang="ko-KR" altLang="en-US"/>
           </a:p>
@@ -1156,7 +1160,7 @@
           <a:p>
             <a:fld id="{5474DB3C-1E24-4908-BDD9-3FA90C535519}" type="datetimeFigureOut">
               <a:rPr lang="ko-KR" altLang="en-US" smtClean="0"/>
-              <a:t>2023-09-12</a:t>
+              <a:t>2023-09-19</a:t>
             </a:fld>
             <a:endParaRPr lang="ko-KR" altLang="en-US"/>
           </a:p>
@@ -1421,7 +1425,7 @@
           <a:p>
             <a:fld id="{5474DB3C-1E24-4908-BDD9-3FA90C535519}" type="datetimeFigureOut">
               <a:rPr lang="ko-KR" altLang="en-US" smtClean="0"/>
-              <a:t>2023-09-12</a:t>
+              <a:t>2023-09-19</a:t>
             </a:fld>
             <a:endParaRPr lang="ko-KR" altLang="en-US"/>
           </a:p>
@@ -1833,7 +1837,7 @@
           <a:p>
             <a:fld id="{5474DB3C-1E24-4908-BDD9-3FA90C535519}" type="datetimeFigureOut">
               <a:rPr lang="ko-KR" altLang="en-US" smtClean="0"/>
-              <a:t>2023-09-12</a:t>
+              <a:t>2023-09-19</a:t>
             </a:fld>
             <a:endParaRPr lang="ko-KR" altLang="en-US"/>
           </a:p>
@@ -1974,7 +1978,7 @@
           <a:p>
             <a:fld id="{5474DB3C-1E24-4908-BDD9-3FA90C535519}" type="datetimeFigureOut">
               <a:rPr lang="ko-KR" altLang="en-US" smtClean="0"/>
-              <a:t>2023-09-12</a:t>
+              <a:t>2023-09-19</a:t>
             </a:fld>
             <a:endParaRPr lang="ko-KR" altLang="en-US"/>
           </a:p>
@@ -2087,7 +2091,7 @@
           <a:p>
             <a:fld id="{5474DB3C-1E24-4908-BDD9-3FA90C535519}" type="datetimeFigureOut">
               <a:rPr lang="ko-KR" altLang="en-US" smtClean="0"/>
-              <a:t>2023-09-12</a:t>
+              <a:t>2023-09-19</a:t>
             </a:fld>
             <a:endParaRPr lang="ko-KR" altLang="en-US"/>
           </a:p>
@@ -2398,7 +2402,7 @@
           <a:p>
             <a:fld id="{5474DB3C-1E24-4908-BDD9-3FA90C535519}" type="datetimeFigureOut">
               <a:rPr lang="ko-KR" altLang="en-US" smtClean="0"/>
-              <a:t>2023-09-12</a:t>
+              <a:t>2023-09-19</a:t>
             </a:fld>
             <a:endParaRPr lang="ko-KR" altLang="en-US"/>
           </a:p>
@@ -2686,7 +2690,7 @@
           <a:p>
             <a:fld id="{5474DB3C-1E24-4908-BDD9-3FA90C535519}" type="datetimeFigureOut">
               <a:rPr lang="ko-KR" altLang="en-US" smtClean="0"/>
-              <a:t>2023-09-12</a:t>
+              <a:t>2023-09-19</a:t>
             </a:fld>
             <a:endParaRPr lang="ko-KR" altLang="en-US"/>
           </a:p>
@@ -2927,7 +2931,7 @@
           <a:p>
             <a:fld id="{5474DB3C-1E24-4908-BDD9-3FA90C535519}" type="datetimeFigureOut">
               <a:rPr lang="ko-KR" altLang="en-US" smtClean="0"/>
-              <a:t>2023-09-12</a:t>
+              <a:t>2023-09-19</a:t>
             </a:fld>
             <a:endParaRPr lang="ko-KR" altLang="en-US"/>
           </a:p>
@@ -3440,6 +3444,249 @@
           <p:cNvPr id="2" name="제목 1">
             <a:extLst>
               <a:ext uri="{FF2B5EF4-FFF2-40B4-BE49-F238E27FC236}">
+                <a16:creationId xmlns:a16="http://schemas.microsoft.com/office/drawing/2014/main" id="{9765D031-F022-1412-2399-BB6C1D206E96}"/>
+              </a:ext>
+            </a:extLst>
+          </p:cNvPr>
+          <p:cNvSpPr>
+            <a:spLocks noGrp="1"/>
+          </p:cNvSpPr>
+          <p:nvPr>
+            <p:ph type="title"/>
+          </p:nvPr>
+        </p:nvSpPr>
+        <p:spPr/>
+        <p:txBody>
+          <a:bodyPr/>
+          <a:lstStyle/>
+          <a:p>
+            <a:r>
+              <a:rPr lang="ko-KR" altLang="en-US" dirty="0"/>
+              <a:t>회원가입 </a:t>
+            </a:r>
+            <a:r>
+              <a:rPr lang="en-US" altLang="ko-KR" dirty="0"/>
+              <a:t>/ </a:t>
+            </a:r>
+            <a:r>
+              <a:rPr lang="ko-KR" altLang="en-US" dirty="0"/>
+              <a:t>로그인 </a:t>
+            </a:r>
+            <a:r>
+              <a:rPr lang="en-US" altLang="ko-KR" dirty="0"/>
+              <a:t>/ </a:t>
+            </a:r>
+            <a:r>
+              <a:rPr lang="ko-KR" altLang="en-US" dirty="0"/>
+              <a:t>회원정보수정</a:t>
+            </a:r>
+          </a:p>
+        </p:txBody>
+      </p:sp>
+      <p:sp>
+        <p:nvSpPr>
+          <p:cNvPr id="3" name="내용 개체 틀 2">
+            <a:extLst>
+              <a:ext uri="{FF2B5EF4-FFF2-40B4-BE49-F238E27FC236}">
+                <a16:creationId xmlns:a16="http://schemas.microsoft.com/office/drawing/2014/main" id="{B2AB5DE4-B655-A773-A323-05932321340B}"/>
+              </a:ext>
+            </a:extLst>
+          </p:cNvPr>
+          <p:cNvSpPr>
+            <a:spLocks noGrp="1"/>
+          </p:cNvSpPr>
+          <p:nvPr>
+            <p:ph idx="1"/>
+          </p:nvPr>
+        </p:nvSpPr>
+        <p:spPr>
+          <a:xfrm>
+            <a:off x="838200" y="1825625"/>
+            <a:ext cx="11092132" cy="4351338"/>
+          </a:xfrm>
+        </p:spPr>
+        <p:txBody>
+          <a:bodyPr/>
+          <a:lstStyle/>
+          <a:p>
+            <a:r>
+              <a:rPr lang="ko-KR" altLang="en-US" dirty="0"/>
+              <a:t>관리자 입장 </a:t>
+            </a:r>
+            <a:r>
+              <a:rPr lang="en-US" altLang="ko-KR" dirty="0"/>
+              <a:t>=&gt; </a:t>
+            </a:r>
+            <a:r>
+              <a:rPr lang="ko-KR" altLang="en-US" dirty="0"/>
+              <a:t>회원리스트</a:t>
+            </a:r>
+            <a:endParaRPr lang="en-US" altLang="ko-KR" dirty="0"/>
+          </a:p>
+          <a:p>
+            <a:endParaRPr lang="en-US" altLang="ko-KR" dirty="0"/>
+          </a:p>
+          <a:p>
+            <a:r>
+              <a:rPr lang="ko-KR" altLang="en-US" sz="2300" dirty="0"/>
+              <a:t>일반유저 입장</a:t>
+            </a:r>
+            <a:r>
+              <a:rPr lang="en-US" altLang="ko-KR" sz="2300" dirty="0"/>
+              <a:t> =&gt; </a:t>
+            </a:r>
+            <a:r>
+              <a:rPr lang="ko-KR" altLang="en-US" sz="2300" dirty="0"/>
+              <a:t>회원가입 </a:t>
+            </a:r>
+            <a:r>
+              <a:rPr lang="en-US" altLang="ko-KR" sz="2300" dirty="0"/>
+              <a:t>/ </a:t>
+            </a:r>
+            <a:r>
+              <a:rPr lang="ko-KR" altLang="en-US" sz="2300" dirty="0"/>
+              <a:t>로그인 </a:t>
+            </a:r>
+            <a:r>
+              <a:rPr lang="en-US" altLang="ko-KR" sz="2300" dirty="0"/>
+              <a:t>/ </a:t>
+            </a:r>
+            <a:r>
+              <a:rPr lang="ko-KR" altLang="en-US" sz="2300" dirty="0"/>
+              <a:t>회원정보 보기</a:t>
+            </a:r>
+            <a:r>
+              <a:rPr lang="en-US" altLang="ko-KR" sz="2300" dirty="0"/>
+              <a:t>/ </a:t>
+            </a:r>
+            <a:r>
+              <a:rPr lang="ko-KR" altLang="en-US" sz="2300" dirty="0"/>
+              <a:t>회원정보 수정 </a:t>
+            </a:r>
+            <a:r>
+              <a:rPr lang="en-US" altLang="ko-KR" sz="2300" dirty="0"/>
+              <a:t>/</a:t>
+            </a:r>
+            <a:r>
+              <a:rPr lang="ko-KR" altLang="en-US" sz="2300" dirty="0"/>
+              <a:t> 탈퇴버튼</a:t>
+            </a:r>
+            <a:endParaRPr lang="en-US" altLang="ko-KR" sz="2300" dirty="0"/>
+          </a:p>
+          <a:p>
+            <a:endParaRPr lang="en-US" altLang="ko-KR" sz="2300" dirty="0"/>
+          </a:p>
+          <a:p>
+            <a:r>
+              <a:rPr lang="en-US" altLang="ko-KR" sz="2300" dirty="0"/>
+              <a:t>JSP </a:t>
+            </a:r>
+            <a:r>
+              <a:rPr lang="ko-KR" altLang="en-US" sz="2300" dirty="0"/>
+              <a:t>화면</a:t>
+            </a:r>
+            <a:endParaRPr lang="en-US" altLang="ko-KR" sz="2300" dirty="0"/>
+          </a:p>
+          <a:p>
+            <a:r>
+              <a:rPr lang="en-US" altLang="ko-KR" sz="2300" dirty="0" err="1"/>
+              <a:t>index.jsp</a:t>
+            </a:r>
+            <a:r>
+              <a:rPr lang="en-US" altLang="ko-KR" sz="2300" dirty="0"/>
+              <a:t> -&gt; (</a:t>
+            </a:r>
+            <a:r>
+              <a:rPr lang="ko-KR" altLang="en-US" sz="2300" dirty="0"/>
+              <a:t>로그인 창 처럼 수정</a:t>
+            </a:r>
+            <a:r>
+              <a:rPr lang="en-US" altLang="ko-KR" sz="2300" dirty="0"/>
+              <a:t>)</a:t>
+            </a:r>
+          </a:p>
+          <a:p>
+            <a:r>
+              <a:rPr lang="en-US" altLang="ko-KR" sz="2300" dirty="0" err="1"/>
+              <a:t>join.jsp</a:t>
+            </a:r>
+            <a:r>
+              <a:rPr lang="en-US" altLang="ko-KR" sz="2300" dirty="0"/>
+              <a:t> -&gt; </a:t>
+            </a:r>
+            <a:r>
+              <a:rPr lang="ko-KR" altLang="en-US" sz="2300" dirty="0"/>
+              <a:t>회원가입</a:t>
+            </a:r>
+            <a:endParaRPr lang="en-US" altLang="ko-KR" sz="2300" dirty="0"/>
+          </a:p>
+          <a:p>
+            <a:r>
+              <a:rPr lang="en-US" altLang="ko-KR" sz="2300" dirty="0" err="1"/>
+              <a:t>list.jsp</a:t>
+            </a:r>
+            <a:r>
+              <a:rPr lang="en-US" altLang="ko-KR" sz="2300" dirty="0"/>
+              <a:t> -&gt; </a:t>
+            </a:r>
+            <a:r>
+              <a:rPr lang="ko-KR" altLang="en-US" sz="2300" dirty="0"/>
+              <a:t>회원리스트</a:t>
+            </a:r>
+            <a:endParaRPr lang="en-US" altLang="ko-KR" sz="2300" dirty="0"/>
+          </a:p>
+          <a:p>
+            <a:r>
+              <a:rPr lang="en-US" altLang="ko-KR" sz="2300" dirty="0" err="1"/>
+              <a:t>modify.jsp</a:t>
+            </a:r>
+            <a:r>
+              <a:rPr lang="en-US" altLang="ko-KR" sz="2300" dirty="0"/>
+              <a:t> -&gt; </a:t>
+            </a:r>
+            <a:r>
+              <a:rPr lang="ko-KR" altLang="en-US" sz="2300" dirty="0"/>
+              <a:t>수정</a:t>
+            </a:r>
+            <a:endParaRPr lang="en-US" altLang="ko-KR" sz="2300" dirty="0"/>
+          </a:p>
+        </p:txBody>
+      </p:sp>
+    </p:spTree>
+    <p:extLst>
+      <p:ext uri="{BB962C8B-B14F-4D97-AF65-F5344CB8AC3E}">
+        <p14:creationId xmlns:p14="http://schemas.microsoft.com/office/powerpoint/2010/main" val="2989623749"/>
+      </p:ext>
+    </p:extLst>
+  </p:cSld>
+  <p:clrMapOvr>
+    <a:masterClrMapping/>
+  </p:clrMapOvr>
+</p:sld>
+</file>
+
+<file path=ppt/slides/slide11.xml><?xml version="1.0" encoding="utf-8"?>
+<p:sld xmlns:a="http://schemas.openxmlformats.org/drawingml/2006/main" xmlns:r="http://schemas.openxmlformats.org/officeDocument/2006/relationships" xmlns:p="http://schemas.openxmlformats.org/presentationml/2006/main">
+  <p:cSld>
+    <p:spTree>
+      <p:nvGrpSpPr>
+        <p:cNvPr id="1" name=""/>
+        <p:cNvGrpSpPr/>
+        <p:nvPr/>
+      </p:nvGrpSpPr>
+      <p:grpSpPr>
+        <a:xfrm>
+          <a:off x="0" y="0"/>
+          <a:ext cx="0" cy="0"/>
+          <a:chOff x="0" y="0"/>
+          <a:chExt cx="0" cy="0"/>
+        </a:xfrm>
+      </p:grpSpPr>
+      <p:sp>
+        <p:nvSpPr>
+          <p:cNvPr id="2" name="제목 1">
+            <a:extLst>
+              <a:ext uri="{FF2B5EF4-FFF2-40B4-BE49-F238E27FC236}">
                 <a16:creationId xmlns:a16="http://schemas.microsoft.com/office/drawing/2014/main" id="{90A21486-F506-B190-32A6-5221323D66A0}"/>
               </a:ext>
             </a:extLst>
@@ -4331,7 +4578,7 @@
 </p:sld>
 </file>
 
-<file path=ppt/slides/slide11.xml><?xml version="1.0" encoding="utf-8"?>
+<file path=ppt/slides/slide12.xml><?xml version="1.0" encoding="utf-8"?>
 <p:sld xmlns:a="http://schemas.openxmlformats.org/drawingml/2006/main" xmlns:r="http://schemas.openxmlformats.org/officeDocument/2006/relationships" xmlns:p="http://schemas.openxmlformats.org/presentationml/2006/main">
   <p:cSld>
     <p:spTree>
@@ -4826,7 +5073,7 @@
 </p:sld>
 </file>
 
-<file path=ppt/slides/slide12.xml><?xml version="1.0" encoding="utf-8"?>
+<file path=ppt/slides/slide13.xml><?xml version="1.0" encoding="utf-8"?>
 <p:sld xmlns:a="http://schemas.openxmlformats.org/drawingml/2006/main" xmlns:r="http://schemas.openxmlformats.org/officeDocument/2006/relationships" xmlns:p="http://schemas.openxmlformats.org/presentationml/2006/main">
   <p:cSld>
     <p:spTree>
@@ -5194,7 +5441,7 @@
 </p:sld>
 </file>
 
-<file path=ppt/slides/slide13.xml><?xml version="1.0" encoding="utf-8"?>
+<file path=ppt/slides/slide14.xml><?xml version="1.0" encoding="utf-8"?>
 <p:sld xmlns:a="http://schemas.openxmlformats.org/drawingml/2006/main" xmlns:r="http://schemas.openxmlformats.org/officeDocument/2006/relationships" xmlns:p="http://schemas.openxmlformats.org/presentationml/2006/main">
   <p:cSld>
     <p:spTree>
@@ -5563,230 +5810,6 @@
     <p:extLst>
       <p:ext uri="{BB962C8B-B14F-4D97-AF65-F5344CB8AC3E}">
         <p14:creationId xmlns:p14="http://schemas.microsoft.com/office/powerpoint/2010/main" val="2414399254"/>
-      </p:ext>
-    </p:extLst>
-  </p:cSld>
-  <p:clrMapOvr>
-    <a:masterClrMapping/>
-  </p:clrMapOvr>
-</p:sld>
-</file>
-
-<file path=ppt/slides/slide14.xml><?xml version="1.0" encoding="utf-8"?>
-<p:sld xmlns:a="http://schemas.openxmlformats.org/drawingml/2006/main" xmlns:r="http://schemas.openxmlformats.org/officeDocument/2006/relationships" xmlns:p="http://schemas.openxmlformats.org/presentationml/2006/main">
-  <p:cSld>
-    <p:spTree>
-      <p:nvGrpSpPr>
-        <p:cNvPr id="1" name=""/>
-        <p:cNvGrpSpPr/>
-        <p:nvPr/>
-      </p:nvGrpSpPr>
-      <p:grpSpPr>
-        <a:xfrm>
-          <a:off x="0" y="0"/>
-          <a:ext cx="0" cy="0"/>
-          <a:chOff x="0" y="0"/>
-          <a:chExt cx="0" cy="0"/>
-        </a:xfrm>
-      </p:grpSpPr>
-      <p:sp>
-        <p:nvSpPr>
-          <p:cNvPr id="2" name="제목 1">
-            <a:extLst>
-              <a:ext uri="{FF2B5EF4-FFF2-40B4-BE49-F238E27FC236}">
-                <a16:creationId xmlns:a16="http://schemas.microsoft.com/office/drawing/2014/main" id="{A3E2F208-BD62-133C-2594-ABBEDD39E26B}"/>
-              </a:ext>
-            </a:extLst>
-          </p:cNvPr>
-          <p:cNvSpPr>
-            <a:spLocks noGrp="1"/>
-          </p:cNvSpPr>
-          <p:nvPr>
-            <p:ph type="title"/>
-          </p:nvPr>
-        </p:nvSpPr>
-        <p:spPr/>
-        <p:txBody>
-          <a:bodyPr/>
-          <a:lstStyle/>
-          <a:p>
-            <a:r>
-              <a:rPr lang="en-US" altLang="ko-KR" dirty="0"/>
-              <a:t>paging (</a:t>
-            </a:r>
-            <a:r>
-              <a:rPr lang="ko-KR" altLang="en-US" dirty="0"/>
-              <a:t>페이지 </a:t>
-            </a:r>
-            <a:r>
-              <a:rPr lang="ko-KR" altLang="en-US" dirty="0" err="1"/>
-              <a:t>네이션</a:t>
-            </a:r>
-            <a:r>
-              <a:rPr lang="en-US" altLang="ko-KR" dirty="0"/>
-              <a:t>)</a:t>
-            </a:r>
-            <a:endParaRPr lang="ko-KR" altLang="en-US" dirty="0"/>
-          </a:p>
-        </p:txBody>
-      </p:sp>
-      <p:sp>
-        <p:nvSpPr>
-          <p:cNvPr id="3" name="내용 개체 틀 2">
-            <a:extLst>
-              <a:ext uri="{FF2B5EF4-FFF2-40B4-BE49-F238E27FC236}">
-                <a16:creationId xmlns:a16="http://schemas.microsoft.com/office/drawing/2014/main" id="{037BF9E5-9AC4-FD1D-5768-99A127566E97}"/>
-              </a:ext>
-            </a:extLst>
-          </p:cNvPr>
-          <p:cNvSpPr>
-            <a:spLocks noGrp="1"/>
-          </p:cNvSpPr>
-          <p:nvPr>
-            <p:ph idx="1"/>
-          </p:nvPr>
-        </p:nvSpPr>
-        <p:spPr/>
-        <p:txBody>
-          <a:bodyPr/>
-          <a:lstStyle/>
-          <a:p>
-            <a:r>
-              <a:rPr lang="en-US" altLang="ko-KR" dirty="0"/>
-              <a:t>select * from board order by </a:t>
-            </a:r>
-            <a:r>
-              <a:rPr lang="en-US" altLang="ko-KR" dirty="0" err="1"/>
-              <a:t>bno</a:t>
-            </a:r>
-            <a:r>
-              <a:rPr lang="en-US" altLang="ko-KR" dirty="0"/>
-              <a:t> desc limit 0, 10</a:t>
-            </a:r>
-          </a:p>
-          <a:p>
-            <a:r>
-              <a:rPr lang="en-US" altLang="ko-KR" dirty="0"/>
-              <a:t>0 =&gt; index </a:t>
-            </a:r>
-            <a:r>
-              <a:rPr lang="ko-KR" altLang="en-US" dirty="0"/>
-              <a:t>번지  </a:t>
-            </a:r>
-            <a:r>
-              <a:rPr lang="en-US" altLang="ko-KR" dirty="0"/>
-              <a:t>|  10 =&gt; </a:t>
-            </a:r>
-            <a:r>
-              <a:rPr lang="ko-KR" altLang="en-US" dirty="0"/>
-              <a:t>한페이지에 출력 개수</a:t>
-            </a:r>
-            <a:endParaRPr lang="en-US" altLang="ko-KR" dirty="0"/>
-          </a:p>
-          <a:p>
-            <a:r>
-              <a:rPr lang="en-US" altLang="ko-KR" dirty="0"/>
-              <a:t>0,</a:t>
-            </a:r>
-            <a:r>
-              <a:rPr lang="ko-KR" altLang="en-US" dirty="0"/>
-              <a:t> </a:t>
-            </a:r>
-            <a:r>
-              <a:rPr lang="en-US" altLang="ko-KR" dirty="0"/>
-              <a:t>10,</a:t>
-            </a:r>
-            <a:r>
-              <a:rPr lang="ko-KR" altLang="en-US" dirty="0"/>
-              <a:t> </a:t>
-            </a:r>
-            <a:r>
-              <a:rPr lang="en-US" altLang="ko-KR" dirty="0"/>
-              <a:t>20,</a:t>
-            </a:r>
-            <a:r>
-              <a:rPr lang="ko-KR" altLang="en-US" dirty="0"/>
-              <a:t> </a:t>
-            </a:r>
-            <a:r>
-              <a:rPr lang="en-US" altLang="ko-KR" dirty="0"/>
-              <a:t>30 …. , </a:t>
-            </a:r>
-            <a:r>
-              <a:rPr lang="ko-KR" altLang="en-US" dirty="0"/>
-              <a:t>개수 </a:t>
-            </a:r>
-            <a:r>
-              <a:rPr lang="en-US" altLang="ko-KR" dirty="0"/>
-              <a:t>10</a:t>
-            </a:r>
-            <a:r>
-              <a:rPr lang="ko-KR" altLang="en-US" dirty="0"/>
-              <a:t>은 고정</a:t>
-            </a:r>
-            <a:endParaRPr lang="en-US" altLang="ko-KR" dirty="0"/>
-          </a:p>
-          <a:p>
-            <a:endParaRPr lang="en-US" altLang="ko-KR" dirty="0"/>
-          </a:p>
-          <a:p>
-            <a:r>
-              <a:rPr lang="en-US" altLang="ko-KR" dirty="0"/>
-              <a:t>list case</a:t>
-            </a:r>
-            <a:r>
-              <a:rPr lang="ko-KR" altLang="en-US" dirty="0"/>
-              <a:t>에서 수정</a:t>
-            </a:r>
-            <a:endParaRPr lang="en-US" altLang="ko-KR" dirty="0"/>
-          </a:p>
-          <a:p>
-            <a:r>
-              <a:rPr lang="en-US" altLang="ko-KR" dirty="0" err="1"/>
-              <a:t>list.jsp</a:t>
-            </a:r>
-            <a:r>
-              <a:rPr lang="en-US" altLang="ko-KR" dirty="0"/>
-              <a:t> </a:t>
-            </a:r>
-            <a:r>
-              <a:rPr lang="ko-KR" altLang="en-US" dirty="0"/>
-              <a:t>하단 </a:t>
-            </a:r>
-            <a:endParaRPr lang="en-US" altLang="ko-KR" dirty="0"/>
-          </a:p>
-          <a:p>
-            <a:r>
-              <a:rPr lang="ko-KR" altLang="en-US" dirty="0"/>
-              <a:t>이전 </a:t>
-            </a:r>
-            <a:r>
-              <a:rPr lang="en-US" altLang="ko-KR" dirty="0"/>
-              <a:t>1 2 3 4 5 6 7 8 9 10 </a:t>
-            </a:r>
-            <a:r>
-              <a:rPr lang="ko-KR" altLang="en-US" dirty="0"/>
-              <a:t>다음</a:t>
-            </a:r>
-            <a:endParaRPr lang="en-US" altLang="ko-KR" dirty="0"/>
-          </a:p>
-          <a:p>
-            <a:r>
-              <a:rPr lang="en-US" altLang="ko-KR" dirty="0"/>
-              <a:t>DB</a:t>
-            </a:r>
-            <a:r>
-              <a:rPr lang="ko-KR" altLang="en-US" dirty="0"/>
-              <a:t>상 총 게시물에 따라 하단 숫자의 값이 변경</a:t>
-            </a:r>
-            <a:endParaRPr lang="en-US" altLang="ko-KR" dirty="0"/>
-          </a:p>
-        </p:txBody>
-      </p:sp>
-    </p:spTree>
-    <p:extLst>
-      <p:ext uri="{BB962C8B-B14F-4D97-AF65-F5344CB8AC3E}">
-        <p14:creationId xmlns:p14="http://schemas.microsoft.com/office/powerpoint/2010/main" val="2286337545"/>
       </p:ext>
     </p:extLst>
   </p:cSld>
@@ -5818,7 +5841,7 @@
           <p:cNvPr id="2" name="제목 1">
             <a:extLst>
               <a:ext uri="{FF2B5EF4-FFF2-40B4-BE49-F238E27FC236}">
-                <a16:creationId xmlns:a16="http://schemas.microsoft.com/office/drawing/2014/main" id="{29750F0F-E776-4769-9A31-CF346968354D}"/>
+                <a16:creationId xmlns:a16="http://schemas.microsoft.com/office/drawing/2014/main" id="{A3E2F208-BD62-133C-2594-ABBEDD39E26B}"/>
               </a:ext>
             </a:extLst>
           </p:cNvPr>
@@ -5836,7 +5859,19 @@
           <a:p>
             <a:r>
               <a:rPr lang="en-US" altLang="ko-KR" dirty="0"/>
-              <a:t>paging</a:t>
+              <a:t>paging (</a:t>
+            </a:r>
+            <a:r>
+              <a:rPr lang="ko-KR" altLang="en-US" dirty="0"/>
+              <a:t>페이지 </a:t>
+            </a:r>
+            <a:r>
+              <a:rPr lang="ko-KR" altLang="en-US" dirty="0" err="1"/>
+              <a:t>네이션</a:t>
+            </a:r>
+            <a:r>
+              <a:rPr lang="en-US" altLang="ko-KR" dirty="0"/>
+              <a:t>)</a:t>
             </a:r>
             <a:endParaRPr lang="ko-KR" altLang="en-US" dirty="0"/>
           </a:p>
@@ -5847,7 +5882,7 @@
           <p:cNvPr id="3" name="내용 개체 틀 2">
             <a:extLst>
               <a:ext uri="{FF2B5EF4-FFF2-40B4-BE49-F238E27FC236}">
-                <a16:creationId xmlns:a16="http://schemas.microsoft.com/office/drawing/2014/main" id="{97943239-D3A7-ABF0-B35A-550103E8D9C1}"/>
+                <a16:creationId xmlns:a16="http://schemas.microsoft.com/office/drawing/2014/main" id="{037BF9E5-9AC4-FD1D-5768-99A127566E97}"/>
               </a:ext>
             </a:extLst>
           </p:cNvPr>
@@ -5864,92 +5899,141 @@
           <a:lstStyle/>
           <a:p>
             <a:r>
-              <a:rPr lang="ko-KR" altLang="en-US" dirty="0"/>
-              <a:t>페이징의 번호를 눌렀을 때 </a:t>
-            </a:r>
-            <a:r>
-              <a:rPr lang="en-US" altLang="ko-KR" dirty="0"/>
-              <a:t>list</a:t>
-            </a:r>
-            <a:r>
-              <a:rPr lang="ko-KR" altLang="en-US" dirty="0"/>
-              <a:t> 조회를 다시 해서 표현</a:t>
+              <a:rPr lang="en-US" altLang="ko-KR" dirty="0"/>
+              <a:t>select * from board order by </a:t>
+            </a:r>
+            <a:r>
+              <a:rPr lang="en-US" altLang="ko-KR" dirty="0" err="1"/>
+              <a:t>bno</a:t>
+            </a:r>
+            <a:r>
+              <a:rPr lang="en-US" altLang="ko-KR" dirty="0"/>
+              <a:t> desc limit 0, 10</a:t>
+            </a:r>
+          </a:p>
+          <a:p>
+            <a:r>
+              <a:rPr lang="en-US" altLang="ko-KR" dirty="0"/>
+              <a:t>0 =&gt; index </a:t>
+            </a:r>
+            <a:r>
+              <a:rPr lang="ko-KR" altLang="en-US" dirty="0"/>
+              <a:t>번지  </a:t>
+            </a:r>
+            <a:r>
+              <a:rPr lang="en-US" altLang="ko-KR" dirty="0"/>
+              <a:t>|  10 =&gt; </a:t>
+            </a:r>
+            <a:r>
+              <a:rPr lang="ko-KR" altLang="en-US" dirty="0"/>
+              <a:t>한페이지에 출력 개수</a:t>
             </a:r>
             <a:endParaRPr lang="en-US" altLang="ko-KR" dirty="0"/>
           </a:p>
           <a:p>
             <a:r>
               <a:rPr lang="en-US" altLang="ko-KR" dirty="0"/>
-              <a:t>1 =&gt; limit “0”, 10 =&gt; (</a:t>
-            </a:r>
-            <a:r>
-              <a:rPr lang="ko-KR" altLang="en-US" dirty="0"/>
-              <a:t>페이지 번호 </a:t>
-            </a:r>
-            <a:r>
-              <a:rPr lang="en-US" altLang="ko-KR" dirty="0"/>
-              <a:t>-1) * 10</a:t>
-            </a:r>
-          </a:p>
-          <a:p>
-            <a:r>
-              <a:rPr lang="en-US" altLang="ko-KR" dirty="0"/>
-              <a:t>2 =&gt; limit “10”, 10</a:t>
-            </a:r>
-          </a:p>
-          <a:p>
-            <a:r>
-              <a:rPr lang="en-US" altLang="ko-KR" dirty="0"/>
-              <a:t>3 =&gt; limit “20”, 10</a:t>
-            </a:r>
-          </a:p>
-          <a:p>
-            <a:r>
-              <a:rPr lang="ko-KR" altLang="en-US" dirty="0"/>
-              <a:t>총 마지막 페이지 개수 </a:t>
+              <a:t>0,</a:t>
+            </a:r>
+            <a:r>
+              <a:rPr lang="ko-KR" altLang="en-US" dirty="0"/>
+              <a:t> </a:t>
+            </a:r>
+            <a:r>
+              <a:rPr lang="en-US" altLang="ko-KR" dirty="0"/>
+              <a:t>10,</a:t>
+            </a:r>
+            <a:r>
+              <a:rPr lang="ko-KR" altLang="en-US" dirty="0"/>
+              <a:t> </a:t>
+            </a:r>
+            <a:r>
+              <a:rPr lang="en-US" altLang="ko-KR" dirty="0"/>
+              <a:t>20,</a:t>
+            </a:r>
+            <a:r>
+              <a:rPr lang="ko-KR" altLang="en-US" dirty="0"/>
+              <a:t> </a:t>
+            </a:r>
+            <a:r>
+              <a:rPr lang="en-US" altLang="ko-KR" dirty="0"/>
+              <a:t>30 …. , </a:t>
+            </a:r>
+            <a:r>
+              <a:rPr lang="ko-KR" altLang="en-US" dirty="0"/>
+              <a:t>개수 </a:t>
+            </a:r>
+            <a:r>
+              <a:rPr lang="en-US" altLang="ko-KR" dirty="0"/>
+              <a:t>10</a:t>
+            </a:r>
+            <a:r>
+              <a:rPr lang="ko-KR" altLang="en-US" dirty="0"/>
+              <a:t>은 고정</a:t>
             </a:r>
             <a:endParaRPr lang="en-US" altLang="ko-KR" dirty="0"/>
           </a:p>
           <a:p>
-            <a:r>
-              <a:rPr lang="ko-KR" altLang="en-US" dirty="0"/>
-              <a:t>이전</a:t>
-            </a:r>
-            <a:r>
-              <a:rPr lang="en-US" altLang="ko-KR" dirty="0"/>
-              <a:t>, </a:t>
-            </a:r>
-            <a:r>
-              <a:rPr lang="ko-KR" altLang="en-US" dirty="0"/>
-              <a:t>다음 표시 여부</a:t>
-            </a:r>
             <a:endParaRPr lang="en-US" altLang="ko-KR" dirty="0"/>
           </a:p>
           <a:p>
             <a:r>
-              <a:rPr lang="ko-KR" altLang="en-US" dirty="0"/>
-              <a:t>다음 버튼 </a:t>
-            </a:r>
-            <a:r>
-              <a:rPr lang="ko-KR" altLang="en-US" dirty="0" err="1"/>
-              <a:t>눌렀을때</a:t>
-            </a:r>
-            <a:r>
-              <a:rPr lang="ko-KR" altLang="en-US" dirty="0"/>
-              <a:t> 표시되는 </a:t>
-            </a:r>
-            <a:r>
-              <a:rPr lang="ko-KR" altLang="en-US" dirty="0" err="1"/>
-              <a:t>페이징</a:t>
-            </a:r>
-            <a:endParaRPr lang="ko-KR" altLang="en-US" dirty="0"/>
+              <a:rPr lang="en-US" altLang="ko-KR" dirty="0"/>
+              <a:t>list case</a:t>
+            </a:r>
+            <a:r>
+              <a:rPr lang="ko-KR" altLang="en-US" dirty="0"/>
+              <a:t>에서 수정</a:t>
+            </a:r>
+            <a:endParaRPr lang="en-US" altLang="ko-KR" dirty="0"/>
+          </a:p>
+          <a:p>
+            <a:r>
+              <a:rPr lang="en-US" altLang="ko-KR" dirty="0" err="1"/>
+              <a:t>list.jsp</a:t>
+            </a:r>
+            <a:r>
+              <a:rPr lang="en-US" altLang="ko-KR" dirty="0"/>
+              <a:t> </a:t>
+            </a:r>
+            <a:r>
+              <a:rPr lang="ko-KR" altLang="en-US" dirty="0"/>
+              <a:t>하단 </a:t>
+            </a:r>
+            <a:endParaRPr lang="en-US" altLang="ko-KR" dirty="0"/>
+          </a:p>
+          <a:p>
+            <a:r>
+              <a:rPr lang="ko-KR" altLang="en-US" dirty="0"/>
+              <a:t>이전 </a:t>
+            </a:r>
+            <a:r>
+              <a:rPr lang="en-US" altLang="ko-KR" dirty="0"/>
+              <a:t>1 2 3 4 5 6 7 8 9 10 </a:t>
+            </a:r>
+            <a:r>
+              <a:rPr lang="ko-KR" altLang="en-US" dirty="0"/>
+              <a:t>다음</a:t>
+            </a:r>
+            <a:endParaRPr lang="en-US" altLang="ko-KR" dirty="0"/>
+          </a:p>
+          <a:p>
+            <a:r>
+              <a:rPr lang="en-US" altLang="ko-KR" dirty="0"/>
+              <a:t>DB</a:t>
+            </a:r>
+            <a:r>
+              <a:rPr lang="ko-KR" altLang="en-US" dirty="0"/>
+              <a:t>상 총 게시물에 따라 하단 숫자의 값이 변경</a:t>
+            </a:r>
+            <a:endParaRPr lang="en-US" altLang="ko-KR" dirty="0"/>
           </a:p>
         </p:txBody>
       </p:sp>
     </p:spTree>
     <p:extLst>
       <p:ext uri="{BB962C8B-B14F-4D97-AF65-F5344CB8AC3E}">
-        <p14:creationId xmlns:p14="http://schemas.microsoft.com/office/powerpoint/2010/main" val="4097699891"/>
+        <p14:creationId xmlns:p14="http://schemas.microsoft.com/office/powerpoint/2010/main" val="2286337545"/>
       </p:ext>
     </p:extLst>
   </p:cSld>
@@ -5981,7 +6065,7 @@
           <p:cNvPr id="2" name="제목 1">
             <a:extLst>
               <a:ext uri="{FF2B5EF4-FFF2-40B4-BE49-F238E27FC236}">
-                <a16:creationId xmlns:a16="http://schemas.microsoft.com/office/drawing/2014/main" id="{B34F720E-F3BB-E1A8-663C-890DA0F60E6D}"/>
+                <a16:creationId xmlns:a16="http://schemas.microsoft.com/office/drawing/2014/main" id="{29750F0F-E776-4769-9A31-CF346968354D}"/>
               </a:ext>
             </a:extLst>
           </p:cNvPr>
@@ -5999,12 +6083,9 @@
           <a:p>
             <a:r>
               <a:rPr lang="en-US" altLang="ko-KR" dirty="0"/>
-              <a:t>search</a:t>
-            </a:r>
-            <a:r>
-              <a:rPr lang="ko-KR" altLang="en-US" dirty="0"/>
-              <a:t> 기능 </a:t>
-            </a:r>
+              <a:t>paging</a:t>
+            </a:r>
+            <a:endParaRPr lang="ko-KR" altLang="en-US" dirty="0"/>
           </a:p>
         </p:txBody>
       </p:sp>
@@ -6013,7 +6094,7 @@
           <p:cNvPr id="3" name="내용 개체 틀 2">
             <a:extLst>
               <a:ext uri="{FF2B5EF4-FFF2-40B4-BE49-F238E27FC236}">
-                <a16:creationId xmlns:a16="http://schemas.microsoft.com/office/drawing/2014/main" id="{0EB3FDAC-5954-185E-8CB8-5AD683A5BE4F}"/>
+                <a16:creationId xmlns:a16="http://schemas.microsoft.com/office/drawing/2014/main" id="{97943239-D3A7-ABF0-B35A-550103E8D9C1}"/>
               </a:ext>
             </a:extLst>
           </p:cNvPr>
@@ -6030,167 +6111,83 @@
           <a:lstStyle/>
           <a:p>
             <a:r>
-              <a:rPr lang="en-US" altLang="ko-KR" dirty="0"/>
-              <a:t>list </a:t>
-            </a:r>
-            <a:r>
-              <a:rPr lang="en-US" altLang="ko-KR" dirty="0" err="1"/>
-              <a:t>jsp</a:t>
-            </a:r>
-            <a:r>
-              <a:rPr lang="en-US" altLang="ko-KR" dirty="0"/>
-              <a:t> </a:t>
-            </a:r>
-            <a:r>
-              <a:rPr lang="ko-KR" altLang="en-US" dirty="0"/>
-              <a:t>페이지에서 검색 기능 추가</a:t>
+              <a:rPr lang="ko-KR" altLang="en-US" dirty="0"/>
+              <a:t>페이징의 번호를 눌렀을 때 </a:t>
+            </a:r>
+            <a:r>
+              <a:rPr lang="en-US" altLang="ko-KR" dirty="0"/>
+              <a:t>list</a:t>
+            </a:r>
+            <a:r>
+              <a:rPr lang="ko-KR" altLang="en-US" dirty="0"/>
+              <a:t> 조회를 다시 해서 표현</a:t>
             </a:r>
             <a:endParaRPr lang="en-US" altLang="ko-KR" dirty="0"/>
           </a:p>
           <a:p>
             <a:r>
-              <a:rPr lang="ko-KR" altLang="en-US" dirty="0"/>
-              <a:t>작성자</a:t>
-            </a:r>
-            <a:r>
-              <a:rPr lang="en-US" altLang="ko-KR" dirty="0"/>
-              <a:t>(w), </a:t>
-            </a:r>
-            <a:r>
-              <a:rPr lang="ko-KR" altLang="en-US" dirty="0"/>
-              <a:t>제목</a:t>
-            </a:r>
-            <a:r>
-              <a:rPr lang="en-US" altLang="ko-KR" dirty="0"/>
-              <a:t>(t), </a:t>
-            </a:r>
-            <a:r>
-              <a:rPr lang="ko-KR" altLang="en-US" dirty="0"/>
-              <a:t>내용</a:t>
-            </a:r>
-            <a:r>
-              <a:rPr lang="en-US" altLang="ko-KR" dirty="0"/>
-              <a:t>(c)</a:t>
-            </a:r>
-          </a:p>
-          <a:p>
-            <a:r>
-              <a:rPr lang="ko-KR" altLang="en-US" dirty="0"/>
-              <a:t>작성자</a:t>
-            </a:r>
-            <a:r>
-              <a:rPr lang="en-US" altLang="ko-KR" dirty="0"/>
-              <a:t>+</a:t>
-            </a:r>
-            <a:r>
-              <a:rPr lang="ko-KR" altLang="en-US" dirty="0"/>
-              <a:t>제목</a:t>
-            </a:r>
-            <a:r>
-              <a:rPr lang="en-US" altLang="ko-KR" dirty="0"/>
-              <a:t>(</a:t>
-            </a:r>
-            <a:r>
-              <a:rPr lang="en-US" altLang="ko-KR" dirty="0" err="1"/>
-              <a:t>wt</a:t>
-            </a:r>
-            <a:r>
-              <a:rPr lang="en-US" altLang="ko-KR" dirty="0"/>
-              <a:t>)</a:t>
-            </a:r>
-          </a:p>
-          <a:p>
-            <a:r>
-              <a:rPr lang="ko-KR" altLang="en-US" dirty="0"/>
-              <a:t>작성자</a:t>
-            </a:r>
-            <a:r>
-              <a:rPr lang="en-US" altLang="ko-KR" dirty="0"/>
-              <a:t>+</a:t>
-            </a:r>
-            <a:r>
-              <a:rPr lang="ko-KR" altLang="en-US" dirty="0"/>
-              <a:t>내용 </a:t>
-            </a:r>
-            <a:r>
-              <a:rPr lang="en-US" altLang="ko-KR" dirty="0"/>
-              <a:t>(</a:t>
-            </a:r>
-            <a:r>
-              <a:rPr lang="en-US" altLang="ko-KR" dirty="0" err="1"/>
-              <a:t>wc</a:t>
-            </a:r>
-            <a:r>
-              <a:rPr lang="en-US" altLang="ko-KR" dirty="0"/>
-              <a:t>)</a:t>
-            </a:r>
-          </a:p>
-          <a:p>
-            <a:r>
-              <a:rPr lang="ko-KR" altLang="en-US" dirty="0"/>
-              <a:t>제목</a:t>
-            </a:r>
-            <a:r>
-              <a:rPr lang="en-US" altLang="ko-KR" dirty="0"/>
-              <a:t>+</a:t>
-            </a:r>
-            <a:r>
-              <a:rPr lang="ko-KR" altLang="en-US" dirty="0"/>
-              <a:t>내용 </a:t>
-            </a:r>
-            <a:r>
-              <a:rPr lang="en-US" altLang="ko-KR" dirty="0"/>
-              <a:t>(</a:t>
-            </a:r>
-            <a:r>
-              <a:rPr lang="en-US" altLang="ko-KR" dirty="0" err="1"/>
-              <a:t>tc</a:t>
-            </a:r>
-            <a:r>
-              <a:rPr lang="en-US" altLang="ko-KR" dirty="0"/>
-              <a:t>)</a:t>
-            </a:r>
-          </a:p>
-          <a:p>
-            <a:r>
-              <a:rPr lang="ko-KR" altLang="en-US" dirty="0"/>
-              <a:t>작성자</a:t>
-            </a:r>
-            <a:r>
-              <a:rPr lang="en-US" altLang="ko-KR" dirty="0"/>
-              <a:t>,</a:t>
-            </a:r>
-            <a:r>
-              <a:rPr lang="ko-KR" altLang="en-US" dirty="0"/>
-              <a:t>제목</a:t>
-            </a:r>
-            <a:r>
-              <a:rPr lang="en-US" altLang="ko-KR" dirty="0"/>
-              <a:t>,</a:t>
-            </a:r>
-            <a:r>
-              <a:rPr lang="ko-KR" altLang="en-US" dirty="0"/>
-              <a:t>내용</a:t>
-            </a:r>
-            <a:r>
-              <a:rPr lang="en-US" altLang="ko-KR" dirty="0"/>
-              <a:t>(</a:t>
-            </a:r>
-            <a:r>
-              <a:rPr lang="ko-KR" altLang="en-US" dirty="0"/>
-              <a:t>전체</a:t>
-            </a:r>
-            <a:r>
-              <a:rPr lang="en-US" altLang="ko-KR" dirty="0"/>
-              <a:t>) (</a:t>
-            </a:r>
-            <a:r>
-              <a:rPr lang="en-US" altLang="ko-KR" dirty="0" err="1"/>
-              <a:t>wtc</a:t>
-            </a:r>
-            <a:r>
-              <a:rPr lang="en-US" altLang="ko-KR" dirty="0"/>
-              <a:t>)</a:t>
+              <a:rPr lang="en-US" altLang="ko-KR" dirty="0"/>
+              <a:t>1 =&gt; limit “0”, 10 =&gt; (</a:t>
+            </a:r>
+            <a:r>
+              <a:rPr lang="ko-KR" altLang="en-US" dirty="0"/>
+              <a:t>페이지 번호 </a:t>
+            </a:r>
+            <a:r>
+              <a:rPr lang="en-US" altLang="ko-KR" dirty="0"/>
+              <a:t>-1) * 10</a:t>
+            </a:r>
+          </a:p>
+          <a:p>
+            <a:r>
+              <a:rPr lang="en-US" altLang="ko-KR" dirty="0"/>
+              <a:t>2 =&gt; limit “10”, 10</a:t>
+            </a:r>
+          </a:p>
+          <a:p>
+            <a:r>
+              <a:rPr lang="en-US" altLang="ko-KR" dirty="0"/>
+              <a:t>3 =&gt; limit “20”, 10</a:t>
+            </a:r>
+          </a:p>
+          <a:p>
+            <a:r>
+              <a:rPr lang="ko-KR" altLang="en-US" dirty="0"/>
+              <a:t>총 마지막 페이지 개수 </a:t>
+            </a:r>
+            <a:endParaRPr lang="en-US" altLang="ko-KR" dirty="0"/>
+          </a:p>
+          <a:p>
+            <a:r>
+              <a:rPr lang="ko-KR" altLang="en-US" dirty="0"/>
+              <a:t>이전</a:t>
+            </a:r>
+            <a:r>
+              <a:rPr lang="en-US" altLang="ko-KR" dirty="0"/>
+              <a:t>, </a:t>
+            </a:r>
+            <a:r>
+              <a:rPr lang="ko-KR" altLang="en-US" dirty="0"/>
+              <a:t>다음 표시 여부</a:t>
+            </a:r>
+            <a:endParaRPr lang="en-US" altLang="ko-KR" dirty="0"/>
+          </a:p>
+          <a:p>
+            <a:r>
+              <a:rPr lang="ko-KR" altLang="en-US" dirty="0"/>
+              <a:t>다음 버튼 </a:t>
+            </a:r>
+            <a:r>
+              <a:rPr lang="ko-KR" altLang="en-US" dirty="0" err="1"/>
+              <a:t>눌렀을때</a:t>
+            </a:r>
+            <a:r>
+              <a:rPr lang="ko-KR" altLang="en-US" dirty="0"/>
+              <a:t> 표시되는 </a:t>
+            </a:r>
+            <a:r>
+              <a:rPr lang="ko-KR" altLang="en-US" dirty="0" err="1"/>
+              <a:t>페이징</a:t>
             </a:r>
             <a:endParaRPr lang="ko-KR" altLang="en-US" dirty="0"/>
           </a:p>
@@ -6199,7 +6196,7 @@
     </p:spTree>
     <p:extLst>
       <p:ext uri="{BB962C8B-B14F-4D97-AF65-F5344CB8AC3E}">
-        <p14:creationId xmlns:p14="http://schemas.microsoft.com/office/powerpoint/2010/main" val="3936161952"/>
+        <p14:creationId xmlns:p14="http://schemas.microsoft.com/office/powerpoint/2010/main" val="4097699891"/>
       </p:ext>
     </p:extLst>
   </p:cSld>
@@ -6231,7 +6228,7 @@
           <p:cNvPr id="2" name="제목 1">
             <a:extLst>
               <a:ext uri="{FF2B5EF4-FFF2-40B4-BE49-F238E27FC236}">
-                <a16:creationId xmlns:a16="http://schemas.microsoft.com/office/drawing/2014/main" id="{A75C9554-70E1-D6E3-CAE7-FDD1EBF4FAF4}"/>
+                <a16:creationId xmlns:a16="http://schemas.microsoft.com/office/drawing/2014/main" id="{B34F720E-F3BB-E1A8-663C-890DA0F60E6D}"/>
               </a:ext>
             </a:extLst>
           </p:cNvPr>
@@ -6248,20 +6245,12 @@
           <a:lstStyle/>
           <a:p>
             <a:r>
-              <a:rPr lang="en-US" altLang="ko-KR" dirty="0" err="1"/>
-              <a:t>Mybatis</a:t>
-            </a:r>
-            <a:r>
-              <a:rPr lang="en-US" altLang="ko-KR" dirty="0"/>
-              <a:t> </a:t>
-            </a:r>
-            <a:r>
-              <a:rPr lang="ko-KR" altLang="en-US" dirty="0" err="1"/>
-              <a:t>동적쿼리</a:t>
-            </a:r>
-            <a:r>
-              <a:rPr lang="ko-KR" altLang="en-US" dirty="0"/>
-              <a:t> 사용</a:t>
+              <a:rPr lang="en-US" altLang="ko-KR" dirty="0"/>
+              <a:t>search</a:t>
+            </a:r>
+            <a:r>
+              <a:rPr lang="ko-KR" altLang="en-US" dirty="0"/>
+              <a:t> 기능 </a:t>
             </a:r>
           </a:p>
         </p:txBody>
@@ -6271,7 +6260,7 @@
           <p:cNvPr id="3" name="내용 개체 틀 2">
             <a:extLst>
               <a:ext uri="{FF2B5EF4-FFF2-40B4-BE49-F238E27FC236}">
-                <a16:creationId xmlns:a16="http://schemas.microsoft.com/office/drawing/2014/main" id="{5F8E104B-AAD4-6BD2-1E05-C1F65444131A}"/>
+                <a16:creationId xmlns:a16="http://schemas.microsoft.com/office/drawing/2014/main" id="{0EB3FDAC-5954-185E-8CB8-5AD683A5BE4F}"/>
               </a:ext>
             </a:extLst>
           </p:cNvPr>
@@ -6282,90 +6271,182 @@
             <p:ph idx="1"/>
           </p:nvPr>
         </p:nvSpPr>
-        <p:spPr>
-          <a:xfrm>
-            <a:off x="838200" y="1851504"/>
-            <a:ext cx="11178396" cy="4351338"/>
-          </a:xfrm>
-        </p:spPr>
+        <p:spPr/>
         <p:txBody>
           <a:bodyPr/>
           <a:lstStyle/>
           <a:p>
             <a:r>
               <a:rPr lang="en-US" altLang="ko-KR" dirty="0"/>
-              <a:t>&lt;if&gt; &lt;choose&gt; &lt;foreach&gt;</a:t>
-            </a:r>
-          </a:p>
-          <a:p>
-            <a:r>
-              <a:rPr lang="ko-KR" altLang="en-US" dirty="0"/>
-              <a:t>찾을 테이블에 </a:t>
-            </a:r>
-            <a:r>
-              <a:rPr lang="en-US" altLang="ko-KR" dirty="0"/>
-              <a:t>“% %”</a:t>
-            </a:r>
-            <a:r>
-              <a:rPr lang="ko-KR" altLang="en-US" dirty="0"/>
-              <a:t>를 포함하는 값을 출력</a:t>
+              <a:t>list </a:t>
+            </a:r>
+            <a:r>
+              <a:rPr lang="en-US" altLang="ko-KR" dirty="0" err="1"/>
+              <a:t>jsp</a:t>
+            </a:r>
+            <a:r>
+              <a:rPr lang="en-US" altLang="ko-KR" dirty="0"/>
+              <a:t> </a:t>
+            </a:r>
+            <a:r>
+              <a:rPr lang="ko-KR" altLang="en-US" dirty="0"/>
+              <a:t>페이지에서 검색 기능 추가</a:t>
             </a:r>
             <a:endParaRPr lang="en-US" altLang="ko-KR" dirty="0"/>
           </a:p>
           <a:p>
             <a:r>
-              <a:rPr lang="en-US" altLang="ko-KR" dirty="0"/>
-              <a:t>select * from board where title like "%t%";</a:t>
-            </a:r>
-          </a:p>
-          <a:p>
-            <a:r>
-              <a:rPr lang="en-US" altLang="ko-KR" dirty="0"/>
-              <a:t>select * from board where writer like "%</a:t>
+              <a:rPr lang="ko-KR" altLang="en-US" dirty="0"/>
+              <a:t>작성자</a:t>
+            </a:r>
+            <a:r>
+              <a:rPr lang="en-US" altLang="ko-KR" dirty="0"/>
+              <a:t>(w), </a:t>
+            </a:r>
+            <a:r>
+              <a:rPr lang="ko-KR" altLang="en-US" dirty="0"/>
+              <a:t>제목</a:t>
+            </a:r>
+            <a:r>
+              <a:rPr lang="en-US" altLang="ko-KR" dirty="0"/>
+              <a:t>(t), </a:t>
+            </a:r>
+            <a:r>
+              <a:rPr lang="ko-KR" altLang="en-US" dirty="0"/>
+              <a:t>내용</a:t>
+            </a:r>
+            <a:r>
+              <a:rPr lang="en-US" altLang="ko-KR" dirty="0"/>
+              <a:t>(c)</a:t>
+            </a:r>
+          </a:p>
+          <a:p>
+            <a:r>
+              <a:rPr lang="ko-KR" altLang="en-US" dirty="0"/>
+              <a:t>작성자</a:t>
+            </a:r>
+            <a:r>
+              <a:rPr lang="en-US" altLang="ko-KR" dirty="0"/>
+              <a:t>+</a:t>
+            </a:r>
+            <a:r>
+              <a:rPr lang="ko-KR" altLang="en-US" dirty="0"/>
+              <a:t>제목</a:t>
+            </a:r>
+            <a:r>
+              <a:rPr lang="en-US" altLang="ko-KR" dirty="0"/>
+              <a:t>(</a:t>
             </a:r>
             <a:r>
               <a:rPr lang="en-US" altLang="ko-KR" dirty="0" err="1"/>
-              <a:t>asdf</a:t>
-            </a:r>
-            <a:r>
-              <a:rPr lang="en-US" altLang="ko-KR" dirty="0"/>
-              <a:t>%";</a:t>
-            </a:r>
-          </a:p>
-          <a:p>
-            <a:r>
-              <a:rPr lang="en-US" altLang="ko-KR" dirty="0"/>
-              <a:t>select * from board where writer like %#{keyword}%; =&gt; </a:t>
-            </a:r>
-            <a:r>
-              <a:rPr lang="ko-KR" altLang="en-US" dirty="0"/>
-              <a:t>인식불가</a:t>
-            </a:r>
-            <a:endParaRPr lang="en-US" altLang="ko-KR" dirty="0"/>
-          </a:p>
-          <a:p>
-            <a:r>
-              <a:rPr lang="en-US" altLang="ko-KR" dirty="0"/>
-              <a:t>like </a:t>
+              <a:t>wt</a:t>
+            </a:r>
+            <a:r>
+              <a:rPr lang="en-US" altLang="ko-KR" dirty="0"/>
+              <a:t>)</a:t>
+            </a:r>
+          </a:p>
+          <a:p>
+            <a:r>
+              <a:rPr lang="ko-KR" altLang="en-US" dirty="0"/>
+              <a:t>작성자</a:t>
+            </a:r>
+            <a:r>
+              <a:rPr lang="en-US" altLang="ko-KR" dirty="0"/>
+              <a:t>+</a:t>
+            </a:r>
+            <a:r>
+              <a:rPr lang="ko-KR" altLang="en-US" dirty="0"/>
+              <a:t>내용 </a:t>
+            </a:r>
+            <a:r>
+              <a:rPr lang="en-US" altLang="ko-KR" dirty="0"/>
+              <a:t>(</a:t>
             </a:r>
             <a:r>
               <a:rPr lang="en-US" altLang="ko-KR" dirty="0" err="1"/>
-              <a:t>concat</a:t>
-            </a:r>
-            <a:r>
-              <a:rPr lang="en-US" altLang="ko-KR" dirty="0"/>
-              <a:t>(‘%’,#{keyword},’%’)</a:t>
-            </a:r>
-          </a:p>
-          <a:p>
-            <a:endParaRPr lang="en-US" altLang="ko-KR" dirty="0"/>
+              <a:t>wc</a:t>
+            </a:r>
+            <a:r>
+              <a:rPr lang="en-US" altLang="ko-KR" dirty="0"/>
+              <a:t>)</a:t>
+            </a:r>
+          </a:p>
+          <a:p>
+            <a:r>
+              <a:rPr lang="ko-KR" altLang="en-US" dirty="0"/>
+              <a:t>제목</a:t>
+            </a:r>
+            <a:r>
+              <a:rPr lang="en-US" altLang="ko-KR" dirty="0"/>
+              <a:t>+</a:t>
+            </a:r>
+            <a:r>
+              <a:rPr lang="ko-KR" altLang="en-US" dirty="0"/>
+              <a:t>내용 </a:t>
+            </a:r>
+            <a:r>
+              <a:rPr lang="en-US" altLang="ko-KR" dirty="0"/>
+              <a:t>(</a:t>
+            </a:r>
+            <a:r>
+              <a:rPr lang="en-US" altLang="ko-KR" dirty="0" err="1"/>
+              <a:t>tc</a:t>
+            </a:r>
+            <a:r>
+              <a:rPr lang="en-US" altLang="ko-KR" dirty="0"/>
+              <a:t>)</a:t>
+            </a:r>
+          </a:p>
+          <a:p>
+            <a:r>
+              <a:rPr lang="ko-KR" altLang="en-US" dirty="0"/>
+              <a:t>작성자</a:t>
+            </a:r>
+            <a:r>
+              <a:rPr lang="en-US" altLang="ko-KR" dirty="0"/>
+              <a:t>,</a:t>
+            </a:r>
+            <a:r>
+              <a:rPr lang="ko-KR" altLang="en-US" dirty="0"/>
+              <a:t>제목</a:t>
+            </a:r>
+            <a:r>
+              <a:rPr lang="en-US" altLang="ko-KR" dirty="0"/>
+              <a:t>,</a:t>
+            </a:r>
+            <a:r>
+              <a:rPr lang="ko-KR" altLang="en-US" dirty="0"/>
+              <a:t>내용</a:t>
+            </a:r>
+            <a:r>
+              <a:rPr lang="en-US" altLang="ko-KR" dirty="0"/>
+              <a:t>(</a:t>
+            </a:r>
+            <a:r>
+              <a:rPr lang="ko-KR" altLang="en-US" dirty="0"/>
+              <a:t>전체</a:t>
+            </a:r>
+            <a:r>
+              <a:rPr lang="en-US" altLang="ko-KR" dirty="0"/>
+              <a:t>) (</a:t>
+            </a:r>
+            <a:r>
+              <a:rPr lang="en-US" altLang="ko-KR" dirty="0" err="1"/>
+              <a:t>wtc</a:t>
+            </a:r>
+            <a:r>
+              <a:rPr lang="en-US" altLang="ko-KR" dirty="0"/>
+              <a:t>)</a:t>
+            </a:r>
+            <a:endParaRPr lang="ko-KR" altLang="en-US" dirty="0"/>
           </a:p>
         </p:txBody>
       </p:sp>
     </p:spTree>
     <p:extLst>
       <p:ext uri="{BB962C8B-B14F-4D97-AF65-F5344CB8AC3E}">
-        <p14:creationId xmlns:p14="http://schemas.microsoft.com/office/powerpoint/2010/main" val="2216895380"/>
+        <p14:creationId xmlns:p14="http://schemas.microsoft.com/office/powerpoint/2010/main" val="3936161952"/>
       </p:ext>
     </p:extLst>
   </p:cSld>
@@ -6397,7 +6478,7 @@
           <p:cNvPr id="2" name="제목 1">
             <a:extLst>
               <a:ext uri="{FF2B5EF4-FFF2-40B4-BE49-F238E27FC236}">
-                <a16:creationId xmlns:a16="http://schemas.microsoft.com/office/drawing/2014/main" id="{0ABC1C47-C74A-6B62-6831-FD813F697FA2}"/>
+                <a16:creationId xmlns:a16="http://schemas.microsoft.com/office/drawing/2014/main" id="{A75C9554-70E1-D6E3-CAE7-FDD1EBF4FAF4}"/>
               </a:ext>
             </a:extLst>
           </p:cNvPr>
@@ -6414,10 +6495,21 @@
           <a:lstStyle/>
           <a:p>
             <a:r>
-              <a:rPr lang="en-US" altLang="ko-KR" dirty="0"/>
-              <a:t>search + paging</a:t>
-            </a:r>
-            <a:endParaRPr lang="ko-KR" altLang="en-US" dirty="0"/>
+              <a:rPr lang="en-US" altLang="ko-KR" dirty="0" err="1"/>
+              <a:t>Mybatis</a:t>
+            </a:r>
+            <a:r>
+              <a:rPr lang="en-US" altLang="ko-KR" dirty="0"/>
+              <a:t> </a:t>
+            </a:r>
+            <a:r>
+              <a:rPr lang="ko-KR" altLang="en-US" dirty="0" err="1"/>
+              <a:t>동적쿼리</a:t>
+            </a:r>
+            <a:r>
+              <a:rPr lang="ko-KR" altLang="en-US" dirty="0"/>
+              <a:t> 사용</a:t>
+            </a:r>
           </a:p>
         </p:txBody>
       </p:sp>
@@ -6426,7 +6518,7 @@
           <p:cNvPr id="3" name="내용 개체 틀 2">
             <a:extLst>
               <a:ext uri="{FF2B5EF4-FFF2-40B4-BE49-F238E27FC236}">
-                <a16:creationId xmlns:a16="http://schemas.microsoft.com/office/drawing/2014/main" id="{4DED2EB8-9A6A-4F31-1107-0BF0EBADC9B7}"/>
+                <a16:creationId xmlns:a16="http://schemas.microsoft.com/office/drawing/2014/main" id="{5F8E104B-AAD4-6BD2-1E05-C1F65444131A}"/>
               </a:ext>
             </a:extLst>
           </p:cNvPr>
@@ -6437,56 +6529,90 @@
             <p:ph idx="1"/>
           </p:nvPr>
         </p:nvSpPr>
-        <p:spPr/>
+        <p:spPr>
+          <a:xfrm>
+            <a:off x="838200" y="1851504"/>
+            <a:ext cx="11178396" cy="4351338"/>
+          </a:xfrm>
+        </p:spPr>
         <p:txBody>
           <a:bodyPr/>
           <a:lstStyle/>
           <a:p>
             <a:r>
-              <a:rPr lang="ko-KR" altLang="en-US" dirty="0"/>
-              <a:t>검색에 일치하는 데이터만 리스트로 표시</a:t>
+              <a:rPr lang="en-US" altLang="ko-KR" dirty="0"/>
+              <a:t>&lt;if&gt; &lt;choose&gt; &lt;foreach&gt;</a:t>
+            </a:r>
+          </a:p>
+          <a:p>
+            <a:r>
+              <a:rPr lang="ko-KR" altLang="en-US" dirty="0"/>
+              <a:t>찾을 테이블에 </a:t>
+            </a:r>
+            <a:r>
+              <a:rPr lang="en-US" altLang="ko-KR" dirty="0"/>
+              <a:t>“% %”</a:t>
+            </a:r>
+            <a:r>
+              <a:rPr lang="ko-KR" altLang="en-US" dirty="0"/>
+              <a:t>를 포함하는 값을 출력</a:t>
             </a:r>
             <a:endParaRPr lang="en-US" altLang="ko-KR" dirty="0"/>
           </a:p>
           <a:p>
             <a:r>
-              <a:rPr lang="ko-KR" altLang="en-US" dirty="0" err="1"/>
-              <a:t>페이지네이션도</a:t>
-            </a:r>
-            <a:r>
-              <a:rPr lang="ko-KR" altLang="en-US" dirty="0"/>
-              <a:t> 검색에 일치하는 데이터만 표시</a:t>
+              <a:rPr lang="en-US" altLang="ko-KR" dirty="0"/>
+              <a:t>select * from board where title like "%t%";</a:t>
+            </a:r>
+          </a:p>
+          <a:p>
+            <a:r>
+              <a:rPr lang="en-US" altLang="ko-KR" dirty="0"/>
+              <a:t>select * from board where writer like "%</a:t>
+            </a:r>
+            <a:r>
+              <a:rPr lang="en-US" altLang="ko-KR" dirty="0" err="1"/>
+              <a:t>asdf</a:t>
+            </a:r>
+            <a:r>
+              <a:rPr lang="en-US" altLang="ko-KR" dirty="0"/>
+              <a:t>%";</a:t>
+            </a:r>
+          </a:p>
+          <a:p>
+            <a:r>
+              <a:rPr lang="en-US" altLang="ko-KR" dirty="0"/>
+              <a:t>select * from board where writer like %#{keyword}%; =&gt; </a:t>
+            </a:r>
+            <a:r>
+              <a:rPr lang="ko-KR" altLang="en-US" dirty="0"/>
+              <a:t>인식불가</a:t>
             </a:r>
             <a:endParaRPr lang="en-US" altLang="ko-KR" dirty="0"/>
           </a:p>
           <a:p>
             <a:r>
-              <a:rPr lang="ko-KR" altLang="en-US" dirty="0" err="1"/>
-              <a:t>페이지네이션의</a:t>
-            </a:r>
-            <a:r>
-              <a:rPr lang="ko-KR" altLang="en-US" dirty="0"/>
-              <a:t> 숫자를 바꿔도 다음페이지로 이동해도</a:t>
-            </a:r>
+              <a:rPr lang="en-US" altLang="ko-KR" dirty="0"/>
+              <a:t>like </a:t>
+            </a:r>
+            <a:r>
+              <a:rPr lang="en-US" altLang="ko-KR" dirty="0" err="1"/>
+              <a:t>concat</a:t>
+            </a:r>
+            <a:r>
+              <a:rPr lang="en-US" altLang="ko-KR" dirty="0"/>
+              <a:t>(‘%’,#{keyword},’%’)</a:t>
+            </a:r>
+          </a:p>
+          <a:p>
             <a:endParaRPr lang="en-US" altLang="ko-KR" dirty="0"/>
-          </a:p>
-          <a:p>
-            <a:r>
-              <a:rPr lang="ko-KR" altLang="en-US" dirty="0"/>
-              <a:t>해당 검색에 대한 데이터는 변화하면 안됨</a:t>
-            </a:r>
-            <a:r>
-              <a:rPr lang="en-US" altLang="ko-KR" dirty="0"/>
-              <a:t>.</a:t>
-            </a:r>
-            <a:endParaRPr lang="ko-KR" altLang="en-US" dirty="0"/>
           </a:p>
         </p:txBody>
       </p:sp>
     </p:spTree>
     <p:extLst>
       <p:ext uri="{BB962C8B-B14F-4D97-AF65-F5344CB8AC3E}">
-        <p14:creationId xmlns:p14="http://schemas.microsoft.com/office/powerpoint/2010/main" val="4035888274"/>
+        <p14:creationId xmlns:p14="http://schemas.microsoft.com/office/powerpoint/2010/main" val="2216895380"/>
       </p:ext>
     </p:extLst>
   </p:cSld>
@@ -6518,6 +6644,127 @@
           <p:cNvPr id="2" name="제목 1">
             <a:extLst>
               <a:ext uri="{FF2B5EF4-FFF2-40B4-BE49-F238E27FC236}">
+                <a16:creationId xmlns:a16="http://schemas.microsoft.com/office/drawing/2014/main" id="{0ABC1C47-C74A-6B62-6831-FD813F697FA2}"/>
+              </a:ext>
+            </a:extLst>
+          </p:cNvPr>
+          <p:cNvSpPr>
+            <a:spLocks noGrp="1"/>
+          </p:cNvSpPr>
+          <p:nvPr>
+            <p:ph type="title"/>
+          </p:nvPr>
+        </p:nvSpPr>
+        <p:spPr/>
+        <p:txBody>
+          <a:bodyPr/>
+          <a:lstStyle/>
+          <a:p>
+            <a:r>
+              <a:rPr lang="en-US" altLang="ko-KR" dirty="0"/>
+              <a:t>search + paging</a:t>
+            </a:r>
+            <a:endParaRPr lang="ko-KR" altLang="en-US" dirty="0"/>
+          </a:p>
+        </p:txBody>
+      </p:sp>
+      <p:sp>
+        <p:nvSpPr>
+          <p:cNvPr id="3" name="내용 개체 틀 2">
+            <a:extLst>
+              <a:ext uri="{FF2B5EF4-FFF2-40B4-BE49-F238E27FC236}">
+                <a16:creationId xmlns:a16="http://schemas.microsoft.com/office/drawing/2014/main" id="{4DED2EB8-9A6A-4F31-1107-0BF0EBADC9B7}"/>
+              </a:ext>
+            </a:extLst>
+          </p:cNvPr>
+          <p:cNvSpPr>
+            <a:spLocks noGrp="1"/>
+          </p:cNvSpPr>
+          <p:nvPr>
+            <p:ph idx="1"/>
+          </p:nvPr>
+        </p:nvSpPr>
+        <p:spPr/>
+        <p:txBody>
+          <a:bodyPr/>
+          <a:lstStyle/>
+          <a:p>
+            <a:r>
+              <a:rPr lang="ko-KR" altLang="en-US" dirty="0"/>
+              <a:t>검색에 일치하는 데이터만 리스트로 표시</a:t>
+            </a:r>
+            <a:endParaRPr lang="en-US" altLang="ko-KR" dirty="0"/>
+          </a:p>
+          <a:p>
+            <a:r>
+              <a:rPr lang="ko-KR" altLang="en-US" dirty="0" err="1"/>
+              <a:t>페이지네이션도</a:t>
+            </a:r>
+            <a:r>
+              <a:rPr lang="ko-KR" altLang="en-US" dirty="0"/>
+              <a:t> 검색에 일치하는 데이터만 표시</a:t>
+            </a:r>
+            <a:endParaRPr lang="en-US" altLang="ko-KR" dirty="0"/>
+          </a:p>
+          <a:p>
+            <a:r>
+              <a:rPr lang="ko-KR" altLang="en-US" dirty="0" err="1"/>
+              <a:t>페이지네이션의</a:t>
+            </a:r>
+            <a:r>
+              <a:rPr lang="ko-KR" altLang="en-US" dirty="0"/>
+              <a:t> 숫자를 바꿔도 다음페이지로 이동해도</a:t>
+            </a:r>
+            <a:endParaRPr lang="en-US" altLang="ko-KR" dirty="0"/>
+          </a:p>
+          <a:p>
+            <a:r>
+              <a:rPr lang="ko-KR" altLang="en-US" dirty="0"/>
+              <a:t>해당 검색에 대한 데이터는 변화하면 안됨</a:t>
+            </a:r>
+            <a:r>
+              <a:rPr lang="en-US" altLang="ko-KR" dirty="0"/>
+              <a:t>.</a:t>
+            </a:r>
+            <a:endParaRPr lang="ko-KR" altLang="en-US" dirty="0"/>
+          </a:p>
+        </p:txBody>
+      </p:sp>
+    </p:spTree>
+    <p:extLst>
+      <p:ext uri="{BB962C8B-B14F-4D97-AF65-F5344CB8AC3E}">
+        <p14:creationId xmlns:p14="http://schemas.microsoft.com/office/powerpoint/2010/main" val="4035888274"/>
+      </p:ext>
+    </p:extLst>
+  </p:cSld>
+  <p:clrMapOvr>
+    <a:masterClrMapping/>
+  </p:clrMapOvr>
+</p:sld>
+</file>
+
+<file path=ppt/slides/slide2.xml><?xml version="1.0" encoding="utf-8"?>
+<p:sld xmlns:a="http://schemas.openxmlformats.org/drawingml/2006/main" xmlns:r="http://schemas.openxmlformats.org/officeDocument/2006/relationships" xmlns:p="http://schemas.openxmlformats.org/presentationml/2006/main">
+  <p:cSld>
+    <p:spTree>
+      <p:nvGrpSpPr>
+        <p:cNvPr id="1" name=""/>
+        <p:cNvGrpSpPr/>
+        <p:nvPr/>
+      </p:nvGrpSpPr>
+      <p:grpSpPr>
+        <a:xfrm>
+          <a:off x="0" y="0"/>
+          <a:ext cx="0" cy="0"/>
+          <a:chOff x="0" y="0"/>
+          <a:chExt cx="0" cy="0"/>
+        </a:xfrm>
+      </p:grpSpPr>
+      <p:sp>
+        <p:nvSpPr>
+          <p:cNvPr id="2" name="제목 1">
+            <a:extLst>
+              <a:ext uri="{FF2B5EF4-FFF2-40B4-BE49-F238E27FC236}">
                 <a16:creationId xmlns:a16="http://schemas.microsoft.com/office/drawing/2014/main" id="{DC415FF6-8992-5D2F-1C07-FD9CED144754}"/>
               </a:ext>
             </a:extLst>
@@ -6809,7 +7056,763 @@
 </p:sld>
 </file>
 
-<file path=ppt/slides/slide2.xml><?xml version="1.0" encoding="utf-8"?>
+<file path=ppt/slides/slide20.xml><?xml version="1.0" encoding="utf-8"?>
+<p:sld xmlns:a="http://schemas.openxmlformats.org/drawingml/2006/main" xmlns:r="http://schemas.openxmlformats.org/officeDocument/2006/relationships" xmlns:p="http://schemas.openxmlformats.org/presentationml/2006/main">
+  <p:cSld>
+    <p:spTree>
+      <p:nvGrpSpPr>
+        <p:cNvPr id="1" name=""/>
+        <p:cNvGrpSpPr/>
+        <p:nvPr/>
+      </p:nvGrpSpPr>
+      <p:grpSpPr>
+        <a:xfrm>
+          <a:off x="0" y="0"/>
+          <a:ext cx="0" cy="0"/>
+          <a:chOff x="0" y="0"/>
+          <a:chExt cx="0" cy="0"/>
+        </a:xfrm>
+      </p:grpSpPr>
+      <p:sp>
+        <p:nvSpPr>
+          <p:cNvPr id="2" name="제목 1">
+            <a:extLst>
+              <a:ext uri="{FF2B5EF4-FFF2-40B4-BE49-F238E27FC236}">
+                <a16:creationId xmlns:a16="http://schemas.microsoft.com/office/drawing/2014/main" id="{BBED07A8-B522-DF14-55FC-27AAC2888202}"/>
+              </a:ext>
+            </a:extLst>
+          </p:cNvPr>
+          <p:cNvSpPr>
+            <a:spLocks noGrp="1"/>
+          </p:cNvSpPr>
+          <p:nvPr>
+            <p:ph type="title"/>
+          </p:nvPr>
+        </p:nvSpPr>
+        <p:spPr>
+          <a:xfrm>
+            <a:off x="838200" y="391005"/>
+            <a:ext cx="10515600" cy="1325563"/>
+          </a:xfrm>
+        </p:spPr>
+        <p:txBody>
+          <a:bodyPr/>
+          <a:lstStyle/>
+          <a:p>
+            <a:r>
+              <a:rPr lang="ko-KR" altLang="en-US" dirty="0"/>
+              <a:t>댓글 </a:t>
+            </a:r>
+            <a:r>
+              <a:rPr lang="en-US" altLang="ko-KR" dirty="0"/>
+              <a:t>(Comment) </a:t>
+            </a:r>
+            <a:r>
+              <a:rPr lang="ko-KR" altLang="en-US" dirty="0"/>
+              <a:t>처리</a:t>
+            </a:r>
+          </a:p>
+        </p:txBody>
+      </p:sp>
+      <p:sp>
+        <p:nvSpPr>
+          <p:cNvPr id="3" name="내용 개체 틀 2">
+            <a:extLst>
+              <a:ext uri="{FF2B5EF4-FFF2-40B4-BE49-F238E27FC236}">
+                <a16:creationId xmlns:a16="http://schemas.microsoft.com/office/drawing/2014/main" id="{E5352CED-7475-1914-140D-9919EA04A10F}"/>
+              </a:ext>
+            </a:extLst>
+          </p:cNvPr>
+          <p:cNvSpPr>
+            <a:spLocks noGrp="1"/>
+          </p:cNvSpPr>
+          <p:nvPr>
+            <p:ph idx="1"/>
+          </p:nvPr>
+        </p:nvSpPr>
+        <p:spPr/>
+        <p:txBody>
+          <a:bodyPr/>
+          <a:lstStyle/>
+          <a:p>
+            <a:r>
+              <a:rPr lang="en-US" altLang="ko-KR" dirty="0" err="1"/>
+              <a:t>mvnRepository</a:t>
+            </a:r>
+            <a:r>
+              <a:rPr lang="en-US" altLang="ko-KR" dirty="0"/>
+              <a:t> -&gt; JSON simple</a:t>
+            </a:r>
+          </a:p>
+          <a:p>
+            <a:r>
+              <a:rPr lang="en-US" altLang="ko-KR" dirty="0"/>
+              <a:t>json-simple-1.1.1.jar</a:t>
+            </a:r>
+          </a:p>
+          <a:p>
+            <a:r>
+              <a:rPr lang="en-US" altLang="ko-KR" dirty="0"/>
+              <a:t>lib -&gt; </a:t>
+            </a:r>
+            <a:r>
+              <a:rPr lang="ko-KR" altLang="en-US" dirty="0"/>
+              <a:t>붙여넣기</a:t>
+            </a:r>
+            <a:endParaRPr lang="en-US" altLang="ko-KR" dirty="0"/>
+          </a:p>
+          <a:p>
+            <a:endParaRPr lang="en-US" altLang="ko-KR" dirty="0"/>
+          </a:p>
+          <a:p>
+            <a:r>
+              <a:rPr lang="ko-KR" altLang="en-US" dirty="0"/>
+              <a:t>댓글 테이블 생성</a:t>
+            </a:r>
+            <a:endParaRPr lang="en-US" altLang="ko-KR" dirty="0"/>
+          </a:p>
+          <a:p>
+            <a:r>
+              <a:rPr lang="ko-KR" altLang="en-US" dirty="0"/>
+              <a:t>댓글번호</a:t>
+            </a:r>
+            <a:r>
+              <a:rPr lang="en-US" altLang="ko-KR" dirty="0"/>
+              <a:t>(</a:t>
+            </a:r>
+            <a:r>
+              <a:rPr lang="en-US" altLang="ko-KR" dirty="0" err="1"/>
+              <a:t>cno</a:t>
+            </a:r>
+            <a:r>
+              <a:rPr lang="en-US" altLang="ko-KR" dirty="0"/>
+              <a:t>), </a:t>
+            </a:r>
+            <a:r>
+              <a:rPr lang="ko-KR" altLang="en-US" dirty="0" err="1"/>
+              <a:t>게시글번호</a:t>
+            </a:r>
+            <a:r>
+              <a:rPr lang="en-US" altLang="ko-KR" dirty="0"/>
+              <a:t>(</a:t>
+            </a:r>
+            <a:r>
+              <a:rPr lang="en-US" altLang="ko-KR" dirty="0" err="1"/>
+              <a:t>bno</a:t>
+            </a:r>
+            <a:r>
+              <a:rPr lang="en-US" altLang="ko-KR" dirty="0"/>
+              <a:t>), </a:t>
+            </a:r>
+            <a:r>
+              <a:rPr lang="ko-KR" altLang="en-US" dirty="0"/>
+              <a:t>작성자</a:t>
+            </a:r>
+            <a:r>
+              <a:rPr lang="en-US" altLang="ko-KR" dirty="0"/>
+              <a:t>(writer), </a:t>
+            </a:r>
+            <a:r>
+              <a:rPr lang="ko-KR" altLang="en-US" dirty="0"/>
+              <a:t>내용</a:t>
+            </a:r>
+            <a:r>
+              <a:rPr lang="en-US" altLang="ko-KR" dirty="0"/>
+              <a:t>(content)</a:t>
+            </a:r>
+          </a:p>
+          <a:p>
+            <a:r>
+              <a:rPr lang="ko-KR" altLang="en-US" dirty="0"/>
+              <a:t>작성일자</a:t>
+            </a:r>
+            <a:r>
+              <a:rPr lang="en-US" altLang="ko-KR" dirty="0"/>
+              <a:t>(</a:t>
+            </a:r>
+            <a:r>
+              <a:rPr lang="en-US" altLang="ko-KR" dirty="0" err="1"/>
+              <a:t>regdate</a:t>
+            </a:r>
+            <a:r>
+              <a:rPr lang="en-US" altLang="ko-KR" dirty="0"/>
+              <a:t>), </a:t>
+            </a:r>
+          </a:p>
+          <a:p>
+            <a:pPr marL="0" indent="0">
+              <a:buNone/>
+            </a:pPr>
+            <a:endParaRPr lang="en-US" altLang="ko-KR" dirty="0"/>
+          </a:p>
+        </p:txBody>
+      </p:sp>
+    </p:spTree>
+    <p:extLst>
+      <p:ext uri="{BB962C8B-B14F-4D97-AF65-F5344CB8AC3E}">
+        <p14:creationId xmlns:p14="http://schemas.microsoft.com/office/powerpoint/2010/main" val="3364091580"/>
+      </p:ext>
+    </p:extLst>
+  </p:cSld>
+  <p:clrMapOvr>
+    <a:masterClrMapping/>
+  </p:clrMapOvr>
+</p:sld>
+</file>
+
+<file path=ppt/slides/slide21.xml><?xml version="1.0" encoding="utf-8"?>
+<p:sld xmlns:a="http://schemas.openxmlformats.org/drawingml/2006/main" xmlns:r="http://schemas.openxmlformats.org/officeDocument/2006/relationships" xmlns:p="http://schemas.openxmlformats.org/presentationml/2006/main">
+  <p:cSld>
+    <p:spTree>
+      <p:nvGrpSpPr>
+        <p:cNvPr id="1" name=""/>
+        <p:cNvGrpSpPr/>
+        <p:nvPr/>
+      </p:nvGrpSpPr>
+      <p:grpSpPr>
+        <a:xfrm>
+          <a:off x="0" y="0"/>
+          <a:ext cx="0" cy="0"/>
+          <a:chOff x="0" y="0"/>
+          <a:chExt cx="0" cy="0"/>
+        </a:xfrm>
+      </p:grpSpPr>
+      <p:sp>
+        <p:nvSpPr>
+          <p:cNvPr id="2" name="제목 1">
+            <a:extLst>
+              <a:ext uri="{FF2B5EF4-FFF2-40B4-BE49-F238E27FC236}">
+                <a16:creationId xmlns:a16="http://schemas.microsoft.com/office/drawing/2014/main" id="{E330EC56-8F46-D725-E4F8-3CBF7EB3A451}"/>
+              </a:ext>
+            </a:extLst>
+          </p:cNvPr>
+          <p:cNvSpPr>
+            <a:spLocks noGrp="1"/>
+          </p:cNvSpPr>
+          <p:nvPr>
+            <p:ph type="title"/>
+          </p:nvPr>
+        </p:nvSpPr>
+        <p:spPr/>
+        <p:txBody>
+          <a:bodyPr/>
+          <a:lstStyle/>
+          <a:p>
+            <a:r>
+              <a:rPr lang="ko-KR" altLang="en-US"/>
+              <a:t>댓글 </a:t>
+            </a:r>
+            <a:r>
+              <a:rPr lang="en-US" altLang="ko-KR" dirty="0"/>
+              <a:t>DB</a:t>
+            </a:r>
+            <a:endParaRPr lang="ko-KR" altLang="en-US" dirty="0"/>
+          </a:p>
+        </p:txBody>
+      </p:sp>
+      <p:sp>
+        <p:nvSpPr>
+          <p:cNvPr id="3" name="내용 개체 틀 2">
+            <a:extLst>
+              <a:ext uri="{FF2B5EF4-FFF2-40B4-BE49-F238E27FC236}">
+                <a16:creationId xmlns:a16="http://schemas.microsoft.com/office/drawing/2014/main" id="{AF0A3CF7-5D9B-FE56-3368-D5C35BAB647F}"/>
+              </a:ext>
+            </a:extLst>
+          </p:cNvPr>
+          <p:cNvSpPr>
+            <a:spLocks noGrp="1"/>
+          </p:cNvSpPr>
+          <p:nvPr>
+            <p:ph idx="1"/>
+          </p:nvPr>
+        </p:nvSpPr>
+        <p:spPr/>
+        <p:txBody>
+          <a:bodyPr/>
+          <a:lstStyle/>
+          <a:p>
+            <a:r>
+              <a:rPr lang="en-US" altLang="ko-KR" dirty="0"/>
+              <a:t>create table comment(</a:t>
+            </a:r>
+          </a:p>
+          <a:p>
+            <a:r>
+              <a:rPr lang="en-US" altLang="ko-KR" dirty="0" err="1"/>
+              <a:t>cno</a:t>
+            </a:r>
+            <a:r>
+              <a:rPr lang="en-US" altLang="ko-KR" dirty="0"/>
+              <a:t> int </a:t>
+            </a:r>
+            <a:r>
+              <a:rPr lang="en-US" altLang="ko-KR" dirty="0" err="1"/>
+              <a:t>auto_increment</a:t>
+            </a:r>
+            <a:r>
+              <a:rPr lang="en-US" altLang="ko-KR" dirty="0"/>
+              <a:t>,</a:t>
+            </a:r>
+          </a:p>
+          <a:p>
+            <a:r>
+              <a:rPr lang="en-US" altLang="ko-KR" dirty="0" err="1"/>
+              <a:t>bno</a:t>
+            </a:r>
+            <a:r>
+              <a:rPr lang="en-US" altLang="ko-KR" dirty="0"/>
+              <a:t> int not null,</a:t>
+            </a:r>
+          </a:p>
+          <a:p>
+            <a:r>
+              <a:rPr lang="en-US" altLang="ko-KR" dirty="0"/>
+              <a:t>writer varchar(200) not null default "unknown",</a:t>
+            </a:r>
+          </a:p>
+          <a:p>
+            <a:r>
+              <a:rPr lang="en-US" altLang="ko-KR" dirty="0"/>
+              <a:t>content varchar(1000),</a:t>
+            </a:r>
+          </a:p>
+          <a:p>
+            <a:r>
+              <a:rPr lang="en-US" altLang="ko-KR" dirty="0" err="1"/>
+              <a:t>regdate</a:t>
+            </a:r>
+            <a:r>
+              <a:rPr lang="en-US" altLang="ko-KR" dirty="0"/>
+              <a:t> datetime default now(),</a:t>
+            </a:r>
+          </a:p>
+          <a:p>
+            <a:r>
+              <a:rPr lang="en-US" altLang="ko-KR" dirty="0"/>
+              <a:t>primary key(</a:t>
+            </a:r>
+            <a:r>
+              <a:rPr lang="en-US" altLang="ko-KR" dirty="0" err="1"/>
+              <a:t>cno</a:t>
+            </a:r>
+            <a:r>
+              <a:rPr lang="en-US" altLang="ko-KR" dirty="0"/>
+              <a:t>)</a:t>
+            </a:r>
+          </a:p>
+          <a:p>
+            <a:r>
+              <a:rPr lang="en-US" altLang="ko-KR" dirty="0"/>
+              <a:t>);</a:t>
+            </a:r>
+            <a:endParaRPr lang="ko-KR" altLang="en-US" dirty="0"/>
+          </a:p>
+        </p:txBody>
+      </p:sp>
+    </p:spTree>
+    <p:extLst>
+      <p:ext uri="{BB962C8B-B14F-4D97-AF65-F5344CB8AC3E}">
+        <p14:creationId xmlns:p14="http://schemas.microsoft.com/office/powerpoint/2010/main" val="1555913564"/>
+      </p:ext>
+    </p:extLst>
+  </p:cSld>
+  <p:clrMapOvr>
+    <a:masterClrMapping/>
+  </p:clrMapOvr>
+</p:sld>
+</file>
+
+<file path=ppt/slides/slide22.xml><?xml version="1.0" encoding="utf-8"?>
+<p:sld xmlns:a="http://schemas.openxmlformats.org/drawingml/2006/main" xmlns:r="http://schemas.openxmlformats.org/officeDocument/2006/relationships" xmlns:p="http://schemas.openxmlformats.org/presentationml/2006/main">
+  <p:cSld>
+    <p:spTree>
+      <p:nvGrpSpPr>
+        <p:cNvPr id="1" name=""/>
+        <p:cNvGrpSpPr/>
+        <p:nvPr/>
+      </p:nvGrpSpPr>
+      <p:grpSpPr>
+        <a:xfrm>
+          <a:off x="0" y="0"/>
+          <a:ext cx="0" cy="0"/>
+          <a:chOff x="0" y="0"/>
+          <a:chExt cx="0" cy="0"/>
+        </a:xfrm>
+      </p:grpSpPr>
+      <p:sp>
+        <p:nvSpPr>
+          <p:cNvPr id="2" name="제목 1">
+            <a:extLst>
+              <a:ext uri="{FF2B5EF4-FFF2-40B4-BE49-F238E27FC236}">
+                <a16:creationId xmlns:a16="http://schemas.microsoft.com/office/drawing/2014/main" id="{66DA4DBD-DF3D-E8FB-7340-85C745DA955B}"/>
+              </a:ext>
+            </a:extLst>
+          </p:cNvPr>
+          <p:cNvSpPr>
+            <a:spLocks noGrp="1"/>
+          </p:cNvSpPr>
+          <p:nvPr>
+            <p:ph type="title"/>
+          </p:nvPr>
+        </p:nvSpPr>
+        <p:spPr/>
+        <p:txBody>
+          <a:bodyPr/>
+          <a:lstStyle/>
+          <a:p>
+            <a:r>
+              <a:rPr lang="ko-KR" altLang="en-US" dirty="0"/>
+              <a:t>파일 업로드 처리</a:t>
+            </a:r>
+          </a:p>
+        </p:txBody>
+      </p:sp>
+      <p:sp>
+        <p:nvSpPr>
+          <p:cNvPr id="3" name="내용 개체 틀 2">
+            <a:extLst>
+              <a:ext uri="{FF2B5EF4-FFF2-40B4-BE49-F238E27FC236}">
+                <a16:creationId xmlns:a16="http://schemas.microsoft.com/office/drawing/2014/main" id="{7A5D954D-93E6-F6EA-16F9-B09F57F55600}"/>
+              </a:ext>
+            </a:extLst>
+          </p:cNvPr>
+          <p:cNvSpPr>
+            <a:spLocks noGrp="1"/>
+          </p:cNvSpPr>
+          <p:nvPr>
+            <p:ph idx="1"/>
+          </p:nvPr>
+        </p:nvSpPr>
+        <p:spPr/>
+        <p:txBody>
+          <a:bodyPr/>
+          <a:lstStyle/>
+          <a:p>
+            <a:r>
+              <a:rPr lang="ko-KR" altLang="en-US" dirty="0" err="1"/>
+              <a:t>게시글에</a:t>
+            </a:r>
+            <a:r>
+              <a:rPr lang="ko-KR" altLang="en-US" dirty="0"/>
+              <a:t> 첨부파일을 </a:t>
+            </a:r>
+            <a:r>
+              <a:rPr lang="en-US" altLang="ko-KR" dirty="0"/>
+              <a:t>1</a:t>
+            </a:r>
+            <a:r>
+              <a:rPr lang="ko-KR" altLang="en-US" dirty="0"/>
+              <a:t>개만 추가 할 수 있도록 설정</a:t>
+            </a:r>
+            <a:endParaRPr lang="en-US" altLang="ko-KR" dirty="0"/>
+          </a:p>
+          <a:p>
+            <a:r>
+              <a:rPr lang="en-US" altLang="ko-KR" dirty="0"/>
+              <a:t>1</a:t>
+            </a:r>
+            <a:r>
+              <a:rPr lang="ko-KR" altLang="en-US" dirty="0"/>
+              <a:t>개의 </a:t>
+            </a:r>
+            <a:r>
+              <a:rPr lang="ko-KR" altLang="en-US" dirty="0" err="1"/>
+              <a:t>게시글에</a:t>
+            </a:r>
+            <a:r>
+              <a:rPr lang="ko-KR" altLang="en-US" dirty="0"/>
+              <a:t> 첨부파일은 </a:t>
+            </a:r>
+            <a:r>
+              <a:rPr lang="en-US" altLang="ko-KR" dirty="0"/>
+              <a:t>1</a:t>
+            </a:r>
+            <a:r>
+              <a:rPr lang="ko-KR" altLang="en-US" dirty="0"/>
+              <a:t>개 </a:t>
+            </a:r>
+            <a:endParaRPr lang="en-US" altLang="ko-KR" dirty="0"/>
+          </a:p>
+          <a:p>
+            <a:r>
+              <a:rPr lang="ko-KR" altLang="en-US" dirty="0"/>
+              <a:t>해당 첨부파일이 그림파일일 경우 본문에</a:t>
+            </a:r>
+            <a:r>
+              <a:rPr lang="en-US" altLang="ko-KR" dirty="0"/>
+              <a:t>(</a:t>
+            </a:r>
+            <a:r>
+              <a:rPr lang="en-US" altLang="ko-KR" dirty="0" err="1"/>
+              <a:t>detail.jsp</a:t>
+            </a:r>
+            <a:r>
+              <a:rPr lang="en-US" altLang="ko-KR" dirty="0"/>
+              <a:t>)</a:t>
+            </a:r>
+            <a:r>
+              <a:rPr lang="ko-KR" altLang="en-US" dirty="0"/>
+              <a:t> 표시</a:t>
+            </a:r>
+            <a:endParaRPr lang="en-US" altLang="ko-KR" dirty="0"/>
+          </a:p>
+          <a:p>
+            <a:endParaRPr lang="en-US" altLang="ko-KR" dirty="0"/>
+          </a:p>
+          <a:p>
+            <a:r>
+              <a:rPr lang="en-US" altLang="ko-KR" dirty="0"/>
+              <a:t>DB : </a:t>
+            </a:r>
+            <a:r>
+              <a:rPr lang="ko-KR" altLang="en-US" dirty="0"/>
+              <a:t>이미지 파일 값을 </a:t>
+            </a:r>
+            <a:r>
+              <a:rPr lang="en-US" altLang="ko-KR" dirty="0"/>
+              <a:t>Board</a:t>
+            </a:r>
+            <a:r>
+              <a:rPr lang="ko-KR" altLang="en-US" dirty="0"/>
+              <a:t>에 추가하는 형태로 작성</a:t>
+            </a:r>
+            <a:endParaRPr lang="en-US" altLang="ko-KR" dirty="0"/>
+          </a:p>
+          <a:p>
+            <a:r>
+              <a:rPr lang="en-US" altLang="ko-KR" dirty="0"/>
+              <a:t>board </a:t>
+            </a:r>
+            <a:r>
+              <a:rPr lang="ko-KR" altLang="en-US" dirty="0"/>
+              <a:t>테이블에 </a:t>
+            </a:r>
+            <a:r>
+              <a:rPr lang="en-US" altLang="ko-KR" dirty="0" err="1"/>
+              <a:t>image_File</a:t>
+            </a:r>
+            <a:r>
+              <a:rPr lang="en-US" altLang="ko-KR" dirty="0"/>
+              <a:t> </a:t>
+            </a:r>
+            <a:r>
+              <a:rPr lang="ko-KR" altLang="en-US" dirty="0"/>
+              <a:t>이름의 필드 추가 </a:t>
+            </a:r>
+            <a:r>
+              <a:rPr lang="en-US" altLang="ko-KR" dirty="0"/>
+              <a:t>(String,</a:t>
+            </a:r>
+          </a:p>
+          <a:p>
+            <a:r>
+              <a:rPr lang="en-US" altLang="ko-KR" dirty="0"/>
+              <a:t>varchar(500))</a:t>
+            </a:r>
+          </a:p>
+          <a:p>
+            <a:r>
+              <a:rPr lang="en-US" altLang="ko-KR" dirty="0"/>
+              <a:t>alter table board add </a:t>
+            </a:r>
+            <a:r>
+              <a:rPr lang="en-US" altLang="ko-KR" dirty="0" err="1"/>
+              <a:t>image_File</a:t>
+            </a:r>
+            <a:r>
+              <a:rPr lang="en-US" altLang="ko-KR" dirty="0"/>
+              <a:t> varchar(500);</a:t>
+            </a:r>
+          </a:p>
+        </p:txBody>
+      </p:sp>
+    </p:spTree>
+    <p:extLst>
+      <p:ext uri="{BB962C8B-B14F-4D97-AF65-F5344CB8AC3E}">
+        <p14:creationId xmlns:p14="http://schemas.microsoft.com/office/powerpoint/2010/main" val="3036147120"/>
+      </p:ext>
+    </p:extLst>
+  </p:cSld>
+  <p:clrMapOvr>
+    <a:masterClrMapping/>
+  </p:clrMapOvr>
+</p:sld>
+</file>
+
+<file path=ppt/slides/slide23.xml><?xml version="1.0" encoding="utf-8"?>
+<p:sld xmlns:a="http://schemas.openxmlformats.org/drawingml/2006/main" xmlns:r="http://schemas.openxmlformats.org/officeDocument/2006/relationships" xmlns:p="http://schemas.openxmlformats.org/presentationml/2006/main">
+  <p:cSld>
+    <p:spTree>
+      <p:nvGrpSpPr>
+        <p:cNvPr id="1" name=""/>
+        <p:cNvGrpSpPr/>
+        <p:nvPr/>
+      </p:nvGrpSpPr>
+      <p:grpSpPr>
+        <a:xfrm>
+          <a:off x="0" y="0"/>
+          <a:ext cx="0" cy="0"/>
+          <a:chOff x="0" y="0"/>
+          <a:chExt cx="0" cy="0"/>
+        </a:xfrm>
+      </p:grpSpPr>
+      <p:sp>
+        <p:nvSpPr>
+          <p:cNvPr id="2" name="제목 1">
+            <a:extLst>
+              <a:ext uri="{FF2B5EF4-FFF2-40B4-BE49-F238E27FC236}">
+                <a16:creationId xmlns:a16="http://schemas.microsoft.com/office/drawing/2014/main" id="{0D78E967-46DC-D216-4CE5-8D4F2DF5A224}"/>
+              </a:ext>
+            </a:extLst>
+          </p:cNvPr>
+          <p:cNvSpPr>
+            <a:spLocks noGrp="1"/>
+          </p:cNvSpPr>
+          <p:nvPr>
+            <p:ph type="title"/>
+          </p:nvPr>
+        </p:nvSpPr>
+        <p:spPr/>
+        <p:txBody>
+          <a:bodyPr/>
+          <a:lstStyle/>
+          <a:p>
+            <a:r>
+              <a:rPr lang="ko-KR" altLang="en-US" dirty="0"/>
+              <a:t>파일 업로드 처리</a:t>
+            </a:r>
+          </a:p>
+        </p:txBody>
+      </p:sp>
+      <p:sp>
+        <p:nvSpPr>
+          <p:cNvPr id="3" name="내용 개체 틀 2">
+            <a:extLst>
+              <a:ext uri="{FF2B5EF4-FFF2-40B4-BE49-F238E27FC236}">
+                <a16:creationId xmlns:a16="http://schemas.microsoft.com/office/drawing/2014/main" id="{35A23D07-E599-0ADC-CB3B-BB03DBAABC56}"/>
+              </a:ext>
+            </a:extLst>
+          </p:cNvPr>
+          <p:cNvSpPr>
+            <a:spLocks noGrp="1"/>
+          </p:cNvSpPr>
+          <p:nvPr>
+            <p:ph idx="1"/>
+          </p:nvPr>
+        </p:nvSpPr>
+        <p:spPr/>
+        <p:txBody>
+          <a:bodyPr/>
+          <a:lstStyle/>
+          <a:p>
+            <a:r>
+              <a:rPr lang="ko-KR" altLang="en-US" sz="2500" dirty="0"/>
+              <a:t>라이브러리 추가</a:t>
+            </a:r>
+            <a:endParaRPr lang="en-US" altLang="ko-KR" sz="2500" dirty="0"/>
+          </a:p>
+          <a:p>
+            <a:r>
+              <a:rPr lang="en-US" altLang="ko-KR" sz="2500" dirty="0"/>
+              <a:t>commons-fileupload-1.4.jar</a:t>
+            </a:r>
+          </a:p>
+          <a:p>
+            <a:r>
+              <a:rPr lang="en-US" altLang="ko-KR" sz="2500" dirty="0"/>
+              <a:t>commons-io-2.11.0.jar</a:t>
+            </a:r>
+          </a:p>
+          <a:p>
+            <a:r>
+              <a:rPr lang="en-US" altLang="ko-KR" sz="2500"/>
+              <a:t>thumbnailator-0.4.17.jar</a:t>
+            </a:r>
+            <a:endParaRPr lang="en-US" altLang="ko-KR" sz="2500" dirty="0"/>
+          </a:p>
+          <a:p>
+            <a:endParaRPr lang="en-US" altLang="ko-KR" sz="2500" dirty="0"/>
+          </a:p>
+          <a:p>
+            <a:r>
+              <a:rPr lang="en-US" altLang="ko-KR" sz="2500" dirty="0"/>
+              <a:t>&lt;form action=“/</a:t>
+            </a:r>
+            <a:r>
+              <a:rPr lang="en-US" altLang="ko-KR" sz="2500" dirty="0" err="1"/>
+              <a:t>brd</a:t>
+            </a:r>
+            <a:r>
+              <a:rPr lang="en-US" altLang="ko-KR" sz="2500" dirty="0"/>
+              <a:t>/insert” method=“post” </a:t>
+            </a:r>
+            <a:r>
+              <a:rPr lang="en-US" altLang="ko-KR" sz="2500" dirty="0" err="1"/>
+              <a:t>enctype</a:t>
+            </a:r>
+            <a:r>
+              <a:rPr lang="en-US" altLang="ko-KR" sz="2500" dirty="0"/>
+              <a:t>=“multipart/</a:t>
+            </a:r>
+            <a:r>
+              <a:rPr lang="en-US" altLang="ko-KR" sz="2500" dirty="0" err="1"/>
+              <a:t>fom</a:t>
+            </a:r>
+            <a:r>
+              <a:rPr lang="en-US" altLang="ko-KR" sz="2500" dirty="0"/>
+              <a:t>-data”&gt;</a:t>
+            </a:r>
+          </a:p>
+          <a:p>
+            <a:r>
+              <a:rPr lang="en-US" altLang="ko-KR" dirty="0" err="1"/>
+              <a:t>enctype</a:t>
+            </a:r>
+            <a:r>
+              <a:rPr lang="en-US" altLang="ko-KR" dirty="0"/>
+              <a:t>=“multipart/</a:t>
+            </a:r>
+            <a:r>
+              <a:rPr lang="en-US" altLang="ko-KR" dirty="0" err="1"/>
+              <a:t>fom</a:t>
+            </a:r>
+            <a:r>
+              <a:rPr lang="en-US" altLang="ko-KR" dirty="0"/>
+              <a:t>-data” </a:t>
+            </a:r>
+            <a:r>
+              <a:rPr lang="ko-KR" altLang="en-US" dirty="0"/>
+              <a:t>기존</a:t>
+            </a:r>
+            <a:r>
+              <a:rPr lang="en-US" altLang="ko-KR" dirty="0"/>
+              <a:t> Form </a:t>
+            </a:r>
+            <a:r>
+              <a:rPr lang="ko-KR" altLang="en-US" dirty="0"/>
+              <a:t>태그 뒤에 추가</a:t>
+            </a:r>
+            <a:endParaRPr lang="en-US" altLang="ko-KR" dirty="0"/>
+          </a:p>
+          <a:p>
+            <a:endParaRPr lang="ko-KR" altLang="en-US" dirty="0"/>
+          </a:p>
+        </p:txBody>
+      </p:sp>
+    </p:spTree>
+    <p:extLst>
+      <p:ext uri="{BB962C8B-B14F-4D97-AF65-F5344CB8AC3E}">
+        <p14:creationId xmlns:p14="http://schemas.microsoft.com/office/powerpoint/2010/main" val="758842987"/>
+      </p:ext>
+    </p:extLst>
+  </p:cSld>
+  <p:clrMapOvr>
+    <a:masterClrMapping/>
+  </p:clrMapOvr>
+</p:sld>
+</file>
+
+<file path=ppt/slides/slide3.xml><?xml version="1.0" encoding="utf-8"?>
 <p:sld xmlns:a="http://schemas.openxmlformats.org/drawingml/2006/main" xmlns:r="http://schemas.openxmlformats.org/officeDocument/2006/relationships" xmlns:p="http://schemas.openxmlformats.org/presentationml/2006/main">
   <p:cSld>
     <p:spTree>
@@ -7449,7 +8452,7 @@
 </p:sld>
 </file>
 
-<file path=ppt/slides/slide3.xml><?xml version="1.0" encoding="utf-8"?>
+<file path=ppt/slides/slide4.xml><?xml version="1.0" encoding="utf-8"?>
 <p:sld xmlns:a="http://schemas.openxmlformats.org/drawingml/2006/main" xmlns:r="http://schemas.openxmlformats.org/officeDocument/2006/relationships" xmlns:p="http://schemas.openxmlformats.org/presentationml/2006/main">
   <p:cSld>
     <p:spTree>
@@ -8185,7 +9188,7 @@
 </p:sld>
 </file>
 
-<file path=ppt/slides/slide4.xml><?xml version="1.0" encoding="utf-8"?>
+<file path=ppt/slides/slide5.xml><?xml version="1.0" encoding="utf-8"?>
 <p:sld xmlns:a="http://schemas.openxmlformats.org/drawingml/2006/main" xmlns:r="http://schemas.openxmlformats.org/officeDocument/2006/relationships" xmlns:p="http://schemas.openxmlformats.org/presentationml/2006/main">
   <p:cSld>
     <p:spTree>
@@ -9191,7 +10194,7 @@
 </p:sld>
 </file>
 
-<file path=ppt/slides/slide5.xml><?xml version="1.0" encoding="utf-8"?>
+<file path=ppt/slides/slide6.xml><?xml version="1.0" encoding="utf-8"?>
 <p:sld xmlns:a="http://schemas.openxmlformats.org/drawingml/2006/main" xmlns:r="http://schemas.openxmlformats.org/officeDocument/2006/relationships" xmlns:p="http://schemas.openxmlformats.org/presentationml/2006/main">
   <p:cSld>
     <p:spTree>
@@ -10356,171 +11359,6 @@
 </p:sld>
 </file>
 
-<file path=ppt/slides/slide6.xml><?xml version="1.0" encoding="utf-8"?>
-<p:sld xmlns:a="http://schemas.openxmlformats.org/drawingml/2006/main" xmlns:r="http://schemas.openxmlformats.org/officeDocument/2006/relationships" xmlns:p="http://schemas.openxmlformats.org/presentationml/2006/main">
-  <p:cSld>
-    <p:spTree>
-      <p:nvGrpSpPr>
-        <p:cNvPr id="1" name=""/>
-        <p:cNvGrpSpPr/>
-        <p:nvPr/>
-      </p:nvGrpSpPr>
-      <p:grpSpPr>
-        <a:xfrm>
-          <a:off x="0" y="0"/>
-          <a:ext cx="0" cy="0"/>
-          <a:chOff x="0" y="0"/>
-          <a:chExt cx="0" cy="0"/>
-        </a:xfrm>
-      </p:grpSpPr>
-      <p:sp>
-        <p:nvSpPr>
-          <p:cNvPr id="2" name="제목 1">
-            <a:extLst>
-              <a:ext uri="{FF2B5EF4-FFF2-40B4-BE49-F238E27FC236}">
-                <a16:creationId xmlns:a16="http://schemas.microsoft.com/office/drawing/2014/main" id="{73DB549A-DA1B-C203-0627-F8CC8BAE88B3}"/>
-              </a:ext>
-            </a:extLst>
-          </p:cNvPr>
-          <p:cNvSpPr>
-            <a:spLocks noGrp="1"/>
-          </p:cNvSpPr>
-          <p:nvPr>
-            <p:ph type="title"/>
-          </p:nvPr>
-        </p:nvSpPr>
-        <p:spPr/>
-        <p:txBody>
-          <a:bodyPr/>
-          <a:lstStyle/>
-          <a:p>
-            <a:r>
-              <a:rPr lang="ko-KR" altLang="en-US" dirty="0"/>
-              <a:t>게시판 </a:t>
-            </a:r>
-            <a:r>
-              <a:rPr lang="en-US" altLang="ko-KR" dirty="0"/>
-              <a:t>DB</a:t>
-            </a:r>
-            <a:r>
-              <a:rPr lang="ko-KR" altLang="en-US" dirty="0"/>
-              <a:t>생성</a:t>
-            </a:r>
-          </a:p>
-        </p:txBody>
-      </p:sp>
-      <p:sp>
-        <p:nvSpPr>
-          <p:cNvPr id="3" name="내용 개체 틀 2">
-            <a:extLst>
-              <a:ext uri="{FF2B5EF4-FFF2-40B4-BE49-F238E27FC236}">
-                <a16:creationId xmlns:a16="http://schemas.microsoft.com/office/drawing/2014/main" id="{1B14306A-DB24-D595-73AA-51FEDD2025DC}"/>
-              </a:ext>
-            </a:extLst>
-          </p:cNvPr>
-          <p:cNvSpPr>
-            <a:spLocks noGrp="1"/>
-          </p:cNvSpPr>
-          <p:nvPr>
-            <p:ph idx="1"/>
-          </p:nvPr>
-        </p:nvSpPr>
-        <p:spPr/>
-        <p:txBody>
-          <a:bodyPr/>
-          <a:lstStyle/>
-          <a:p>
-            <a:r>
-              <a:rPr lang="en-US" altLang="ko-KR" dirty="0"/>
-              <a:t>create table board(</a:t>
-            </a:r>
-          </a:p>
-          <a:p>
-            <a:r>
-              <a:rPr lang="en-US" altLang="ko-KR" dirty="0" err="1"/>
-              <a:t>bno</a:t>
-            </a:r>
-            <a:r>
-              <a:rPr lang="en-US" altLang="ko-KR" dirty="0"/>
-              <a:t> int not null </a:t>
-            </a:r>
-            <a:r>
-              <a:rPr lang="en-US" altLang="ko-KR" dirty="0" err="1"/>
-              <a:t>auto_increment</a:t>
-            </a:r>
-            <a:r>
-              <a:rPr lang="en-US" altLang="ko-KR" dirty="0"/>
-              <a:t>,</a:t>
-            </a:r>
-          </a:p>
-          <a:p>
-            <a:r>
-              <a:rPr lang="en-US" altLang="ko-KR" dirty="0"/>
-              <a:t>title varchar(200) not null,</a:t>
-            </a:r>
-          </a:p>
-          <a:p>
-            <a:r>
-              <a:rPr lang="en-US" altLang="ko-KR" dirty="0"/>
-              <a:t>writer varchar(100) not null,</a:t>
-            </a:r>
-          </a:p>
-          <a:p>
-            <a:r>
-              <a:rPr lang="en-US" altLang="ko-KR" dirty="0"/>
-              <a:t>content text,</a:t>
-            </a:r>
-          </a:p>
-          <a:p>
-            <a:r>
-              <a:rPr lang="en-US" altLang="ko-KR" dirty="0" err="1"/>
-              <a:t>regdate</a:t>
-            </a:r>
-            <a:r>
-              <a:rPr lang="en-US" altLang="ko-KR" dirty="0"/>
-              <a:t> datetime default now(),</a:t>
-            </a:r>
-          </a:p>
-          <a:p>
-            <a:r>
-              <a:rPr lang="en-US" altLang="ko-KR" dirty="0" err="1"/>
-              <a:t>moddate</a:t>
-            </a:r>
-            <a:r>
-              <a:rPr lang="en-US" altLang="ko-KR" dirty="0"/>
-              <a:t> datetime default now(),</a:t>
-            </a:r>
-          </a:p>
-          <a:p>
-            <a:r>
-              <a:rPr lang="en-US" altLang="ko-KR" dirty="0"/>
-              <a:t>primary key(</a:t>
-            </a:r>
-            <a:r>
-              <a:rPr lang="en-US" altLang="ko-KR" dirty="0" err="1"/>
-              <a:t>bno</a:t>
-            </a:r>
-            <a:r>
-              <a:rPr lang="en-US" altLang="ko-KR" dirty="0"/>
-              <a:t>));</a:t>
-            </a:r>
-            <a:endParaRPr lang="ko-KR" altLang="en-US" dirty="0"/>
-          </a:p>
-        </p:txBody>
-      </p:sp>
-    </p:spTree>
-    <p:extLst>
-      <p:ext uri="{BB962C8B-B14F-4D97-AF65-F5344CB8AC3E}">
-        <p14:creationId xmlns:p14="http://schemas.microsoft.com/office/powerpoint/2010/main" val="3845673298"/>
-      </p:ext>
-    </p:extLst>
-  </p:cSld>
-  <p:clrMapOvr>
-    <a:masterClrMapping/>
-  </p:clrMapOvr>
-</p:sld>
-</file>
-
 <file path=ppt/slides/slide7.xml><?xml version="1.0" encoding="utf-8"?>
 <p:sld xmlns:a="http://schemas.openxmlformats.org/drawingml/2006/main" xmlns:r="http://schemas.openxmlformats.org/officeDocument/2006/relationships" xmlns:p="http://schemas.openxmlformats.org/presentationml/2006/main">
   <p:cSld>
@@ -10543,7 +11381,7 @@
           <p:cNvPr id="2" name="제목 1">
             <a:extLst>
               <a:ext uri="{FF2B5EF4-FFF2-40B4-BE49-F238E27FC236}">
-                <a16:creationId xmlns:a16="http://schemas.microsoft.com/office/drawing/2014/main" id="{700377E0-4FE9-E561-DF8C-F89B9E88E6BA}"/>
+                <a16:creationId xmlns:a16="http://schemas.microsoft.com/office/drawing/2014/main" id="{73DB549A-DA1B-C203-0627-F8CC8BAE88B3}"/>
               </a:ext>
             </a:extLst>
           </p:cNvPr>
@@ -10560,12 +11398,8 @@
           <a:lstStyle/>
           <a:p>
             <a:r>
-              <a:rPr lang="en-US" altLang="ko-KR" dirty="0"/>
-              <a:t>1. </a:t>
-            </a:r>
-            <a:r>
-              <a:rPr lang="ko-KR" altLang="en-US" dirty="0"/>
-              <a:t>회원 </a:t>
+              <a:rPr lang="ko-KR" altLang="en-US" dirty="0"/>
+              <a:t>게시판 </a:t>
             </a:r>
             <a:r>
               <a:rPr lang="en-US" altLang="ko-KR" dirty="0"/>
@@ -10573,7 +11407,7 @@
             </a:r>
             <a:r>
               <a:rPr lang="ko-KR" altLang="en-US" dirty="0"/>
-              <a:t>구성</a:t>
+              <a:t>생성</a:t>
             </a:r>
           </a:p>
         </p:txBody>
@@ -10583,7 +11417,7 @@
           <p:cNvPr id="3" name="내용 개체 틀 2">
             <a:extLst>
               <a:ext uri="{FF2B5EF4-FFF2-40B4-BE49-F238E27FC236}">
-                <a16:creationId xmlns:a16="http://schemas.microsoft.com/office/drawing/2014/main" id="{4DCDB492-F572-CB96-A15B-8364596E0B91}"/>
+                <a16:creationId xmlns:a16="http://schemas.microsoft.com/office/drawing/2014/main" id="{1B14306A-DB24-D595-73AA-51FEDD2025DC}"/>
               </a:ext>
             </a:extLst>
           </p:cNvPr>
@@ -10596,109 +11430,91 @@
         </p:nvSpPr>
         <p:spPr/>
         <p:txBody>
-          <a:bodyPr>
-            <a:normAutofit fontScale="92500" lnSpcReduction="20000"/>
-          </a:bodyPr>
-          <a:lstStyle/>
-          <a:p>
-            <a:r>
-              <a:rPr lang="ko-KR" altLang="en-US" dirty="0"/>
-              <a:t>회원가입시 받을 정보구상</a:t>
-            </a:r>
-            <a:endParaRPr lang="en-US" altLang="ko-KR" dirty="0"/>
-          </a:p>
-          <a:p>
-            <a:r>
-              <a:rPr lang="en-US" altLang="ko-KR" dirty="0"/>
-              <a:t>(id, password, email, name, address, </a:t>
-            </a:r>
+          <a:bodyPr/>
+          <a:lstStyle/>
+          <a:p>
+            <a:r>
+              <a:rPr lang="en-US" altLang="ko-KR" dirty="0"/>
+              <a:t>create table board(</a:t>
+            </a:r>
+          </a:p>
+          <a:p>
+            <a:r>
+              <a:rPr lang="en-US" altLang="ko-KR" dirty="0" err="1"/>
+              <a:t>bno</a:t>
+            </a:r>
+            <a:r>
+              <a:rPr lang="en-US" altLang="ko-KR" dirty="0"/>
+              <a:t> int not null </a:t>
+            </a:r>
+            <a:r>
+              <a:rPr lang="en-US" altLang="ko-KR" dirty="0" err="1"/>
+              <a:t>auto_increment</a:t>
+            </a:r>
+            <a:r>
+              <a:rPr lang="en-US" altLang="ko-KR" dirty="0"/>
+              <a:t>,</a:t>
+            </a:r>
+          </a:p>
+          <a:p>
+            <a:r>
+              <a:rPr lang="en-US" altLang="ko-KR" dirty="0"/>
+              <a:t>title varchar(200) not null,</a:t>
+            </a:r>
+          </a:p>
+          <a:p>
+            <a:r>
+              <a:rPr lang="en-US" altLang="ko-KR" dirty="0"/>
+              <a:t>writer varchar(100) not null,</a:t>
+            </a:r>
+          </a:p>
+          <a:p>
+            <a:r>
+              <a:rPr lang="en-US" altLang="ko-KR" dirty="0"/>
+              <a:t>content text,</a:t>
+            </a:r>
+          </a:p>
+          <a:p>
             <a:r>
               <a:rPr lang="en-US" altLang="ko-KR" dirty="0" err="1"/>
               <a:t>regdate</a:t>
             </a:r>
             <a:r>
               <a:rPr lang="en-US" altLang="ko-KR" dirty="0"/>
-              <a:t>, phone)…..</a:t>
-            </a:r>
-          </a:p>
-          <a:p>
-            <a:r>
-              <a:rPr lang="en-US" altLang="ko-KR" dirty="0"/>
-              <a:t>id, password, email, age</a:t>
-            </a:r>
-          </a:p>
-          <a:p>
-            <a:r>
-              <a:rPr lang="en-US" altLang="ko-KR" dirty="0"/>
-              <a:t>member</a:t>
-            </a:r>
-          </a:p>
-          <a:p>
-            <a:r>
-              <a:rPr lang="en-US" altLang="ko-KR" dirty="0"/>
-              <a:t>id varchar(100)</a:t>
-            </a:r>
-            <a:r>
-              <a:rPr lang="ko-KR" altLang="en-US" dirty="0"/>
-              <a:t> </a:t>
-            </a:r>
-            <a:r>
-              <a:rPr lang="en-US" altLang="ko-KR" dirty="0"/>
-              <a:t>–</a:t>
-            </a:r>
-            <a:r>
-              <a:rPr lang="ko-KR" altLang="en-US" dirty="0"/>
-              <a:t> </a:t>
-            </a:r>
-            <a:r>
-              <a:rPr lang="en-US" altLang="ko-KR" dirty="0"/>
-              <a:t>primary key</a:t>
-            </a:r>
-          </a:p>
-          <a:p>
-            <a:r>
-              <a:rPr lang="en-US" altLang="ko-KR" dirty="0"/>
-              <a:t>password varchar(100) not null</a:t>
-            </a:r>
-          </a:p>
-          <a:p>
-            <a:r>
-              <a:rPr lang="en-US" altLang="ko-KR" dirty="0"/>
-              <a:t>email varchar(100) not null</a:t>
-            </a:r>
-          </a:p>
-          <a:p>
-            <a:r>
-              <a:rPr lang="en-US" altLang="ko-KR" dirty="0"/>
-              <a:t>age int	</a:t>
+              <a:t> datetime default now(),</a:t>
             </a:r>
           </a:p>
           <a:p>
             <a:r>
               <a:rPr lang="en-US" altLang="ko-KR" dirty="0" err="1"/>
-              <a:t>regdate</a:t>
-            </a:r>
-            <a:r>
-              <a:rPr lang="en-US" altLang="ko-KR" dirty="0"/>
-              <a:t> datetime default now()</a:t>
-            </a:r>
-          </a:p>
-          <a:p>
+              <a:t>moddate</a:t>
+            </a:r>
+            <a:r>
+              <a:rPr lang="en-US" altLang="ko-KR" dirty="0"/>
+              <a:t> datetime default now(),</a:t>
+            </a:r>
+          </a:p>
+          <a:p>
+            <a:r>
+              <a:rPr lang="en-US" altLang="ko-KR" dirty="0"/>
+              <a:t>primary key(</a:t>
+            </a:r>
             <a:r>
               <a:rPr lang="en-US" altLang="ko-KR" dirty="0" err="1"/>
-              <a:t>last_login</a:t>
-            </a:r>
-            <a:r>
-              <a:rPr lang="en-US" altLang="ko-KR" dirty="0"/>
-              <a:t> datetime default now()</a:t>
-            </a:r>
+              <a:t>bno</a:t>
+            </a:r>
+            <a:r>
+              <a:rPr lang="en-US" altLang="ko-KR" dirty="0"/>
+              <a:t>));</a:t>
+            </a:r>
+            <a:endParaRPr lang="ko-KR" altLang="en-US" dirty="0"/>
           </a:p>
         </p:txBody>
       </p:sp>
     </p:spTree>
     <p:extLst>
       <p:ext uri="{BB962C8B-B14F-4D97-AF65-F5344CB8AC3E}">
-        <p14:creationId xmlns:p14="http://schemas.microsoft.com/office/powerpoint/2010/main" val="2106074824"/>
+        <p14:creationId xmlns:p14="http://schemas.microsoft.com/office/powerpoint/2010/main" val="3845673298"/>
       </p:ext>
     </p:extLst>
   </p:cSld>
@@ -10730,7 +11546,7 @@
           <p:cNvPr id="2" name="제목 1">
             <a:extLst>
               <a:ext uri="{FF2B5EF4-FFF2-40B4-BE49-F238E27FC236}">
-                <a16:creationId xmlns:a16="http://schemas.microsoft.com/office/drawing/2014/main" id="{75C1D919-9100-250F-6CE4-BD9F6AE4BF9E}"/>
+                <a16:creationId xmlns:a16="http://schemas.microsoft.com/office/drawing/2014/main" id="{700377E0-4FE9-E561-DF8C-F89B9E88E6BA}"/>
               </a:ext>
             </a:extLst>
           </p:cNvPr>
@@ -10747,16 +11563,20 @@
           <a:lstStyle/>
           <a:p>
             <a:r>
+              <a:rPr lang="en-US" altLang="ko-KR" dirty="0"/>
+              <a:t>1. </a:t>
+            </a:r>
+            <a:r>
               <a:rPr lang="ko-KR" altLang="en-US" dirty="0"/>
               <a:t>회원 </a:t>
             </a:r>
             <a:r>
               <a:rPr lang="en-US" altLang="ko-KR" dirty="0"/>
-              <a:t>DB </a:t>
-            </a:r>
-            <a:r>
-              <a:rPr lang="ko-KR" altLang="en-US" dirty="0"/>
-              <a:t>생성</a:t>
+              <a:t>DB</a:t>
+            </a:r>
+            <a:r>
+              <a:rPr lang="ko-KR" altLang="en-US" dirty="0"/>
+              <a:t>구성</a:t>
             </a:r>
           </a:p>
         </p:txBody>
@@ -10766,7 +11586,7 @@
           <p:cNvPr id="3" name="내용 개체 틀 2">
             <a:extLst>
               <a:ext uri="{FF2B5EF4-FFF2-40B4-BE49-F238E27FC236}">
-                <a16:creationId xmlns:a16="http://schemas.microsoft.com/office/drawing/2014/main" id="{9320B69B-114B-38C6-E98B-942F57F9EC6B}"/>
+                <a16:creationId xmlns:a16="http://schemas.microsoft.com/office/drawing/2014/main" id="{4DCDB492-F572-CB96-A15B-8364596E0B91}"/>
               </a:ext>
             </a:extLst>
           </p:cNvPr>
@@ -10779,75 +11599,109 @@
         </p:nvSpPr>
         <p:spPr/>
         <p:txBody>
-          <a:bodyPr/>
-          <a:lstStyle/>
-          <a:p>
-            <a:r>
-              <a:rPr lang="en-US" altLang="ko-KR" dirty="0"/>
-              <a:t>create table member(</a:t>
-            </a:r>
-          </a:p>
-          <a:p>
-            <a:r>
-              <a:rPr lang="en-US" altLang="ko-KR" dirty="0"/>
-              <a:t>id varchar(100),</a:t>
-            </a:r>
-          </a:p>
-          <a:p>
-            <a:r>
-              <a:rPr lang="en-US" altLang="ko-KR" dirty="0" err="1"/>
-              <a:t>pwd</a:t>
-            </a:r>
-            <a:r>
-              <a:rPr lang="en-US" altLang="ko-KR" dirty="0"/>
-              <a:t> varchar(100) not null,</a:t>
-            </a:r>
-          </a:p>
-          <a:p>
-            <a:r>
-              <a:rPr lang="en-US" altLang="ko-KR" dirty="0"/>
-              <a:t>email varchar(100) not null,</a:t>
-            </a:r>
-          </a:p>
-          <a:p>
-            <a:r>
-              <a:rPr lang="en-US" altLang="ko-KR" dirty="0"/>
-              <a:t>age int default 0,</a:t>
-            </a:r>
-          </a:p>
-          <a:p>
+          <a:bodyPr>
+            <a:normAutofit fontScale="92500" lnSpcReduction="20000"/>
+          </a:bodyPr>
+          <a:lstStyle/>
+          <a:p>
+            <a:r>
+              <a:rPr lang="ko-KR" altLang="en-US" dirty="0"/>
+              <a:t>회원가입시 받을 정보구상</a:t>
+            </a:r>
+            <a:endParaRPr lang="en-US" altLang="ko-KR" dirty="0"/>
+          </a:p>
+          <a:p>
+            <a:r>
+              <a:rPr lang="en-US" altLang="ko-KR" dirty="0"/>
+              <a:t>(id, password, email, name, address, </a:t>
+            </a:r>
             <a:r>
               <a:rPr lang="en-US" altLang="ko-KR" dirty="0" err="1"/>
               <a:t>regdate</a:t>
             </a:r>
             <a:r>
               <a:rPr lang="en-US" altLang="ko-KR" dirty="0"/>
-              <a:t> datetime default now(),</a:t>
+              <a:t>, phone)…..</a:t>
+            </a:r>
+          </a:p>
+          <a:p>
+            <a:r>
+              <a:rPr lang="en-US" altLang="ko-KR" dirty="0"/>
+              <a:t>id, password, email, age</a:t>
+            </a:r>
+          </a:p>
+          <a:p>
+            <a:r>
+              <a:rPr lang="en-US" altLang="ko-KR" dirty="0"/>
+              <a:t>member</a:t>
+            </a:r>
+          </a:p>
+          <a:p>
+            <a:r>
+              <a:rPr lang="en-US" altLang="ko-KR" dirty="0"/>
+              <a:t>id varchar(100)</a:t>
+            </a:r>
+            <a:r>
+              <a:rPr lang="ko-KR" altLang="en-US" dirty="0"/>
+              <a:t> </a:t>
+            </a:r>
+            <a:r>
+              <a:rPr lang="en-US" altLang="ko-KR" dirty="0"/>
+              <a:t>–</a:t>
+            </a:r>
+            <a:r>
+              <a:rPr lang="ko-KR" altLang="en-US" dirty="0"/>
+              <a:t> </a:t>
+            </a:r>
+            <a:r>
+              <a:rPr lang="en-US" altLang="ko-KR" dirty="0"/>
+              <a:t>primary key</a:t>
+            </a:r>
+          </a:p>
+          <a:p>
+            <a:r>
+              <a:rPr lang="en-US" altLang="ko-KR" dirty="0"/>
+              <a:t>password varchar(100) not null</a:t>
+            </a:r>
+          </a:p>
+          <a:p>
+            <a:r>
+              <a:rPr lang="en-US" altLang="ko-KR" dirty="0"/>
+              <a:t>email varchar(100) not null</a:t>
+            </a:r>
+          </a:p>
+          <a:p>
+            <a:r>
+              <a:rPr lang="en-US" altLang="ko-KR" dirty="0"/>
+              <a:t>age int	</a:t>
             </a:r>
           </a:p>
           <a:p>
             <a:r>
               <a:rPr lang="en-US" altLang="ko-KR" dirty="0" err="1"/>
-              <a:t>lastlogin</a:t>
-            </a:r>
-            <a:r>
-              <a:rPr lang="en-US" altLang="ko-KR" dirty="0"/>
-              <a:t> datetime default now(),</a:t>
-            </a:r>
-          </a:p>
-          <a:p>
-            <a:r>
-              <a:rPr lang="en-US" altLang="ko-KR" dirty="0"/>
-              <a:t>primary key(id));</a:t>
-            </a:r>
-            <a:endParaRPr lang="ko-KR" altLang="en-US" dirty="0"/>
+              <a:t>regdate</a:t>
+            </a:r>
+            <a:r>
+              <a:rPr lang="en-US" altLang="ko-KR" dirty="0"/>
+              <a:t> datetime default now()</a:t>
+            </a:r>
+          </a:p>
+          <a:p>
+            <a:r>
+              <a:rPr lang="en-US" altLang="ko-KR" dirty="0" err="1"/>
+              <a:t>last_login</a:t>
+            </a:r>
+            <a:r>
+              <a:rPr lang="en-US" altLang="ko-KR" dirty="0"/>
+              <a:t> datetime default now()</a:t>
+            </a:r>
           </a:p>
         </p:txBody>
       </p:sp>
     </p:spTree>
     <p:extLst>
       <p:ext uri="{BB962C8B-B14F-4D97-AF65-F5344CB8AC3E}">
-        <p14:creationId xmlns:p14="http://schemas.microsoft.com/office/powerpoint/2010/main" val="1854592406"/>
+        <p14:creationId xmlns:p14="http://schemas.microsoft.com/office/powerpoint/2010/main" val="2106074824"/>
       </p:ext>
     </p:extLst>
   </p:cSld>
@@ -10879,7 +11733,7 @@
           <p:cNvPr id="2" name="제목 1">
             <a:extLst>
               <a:ext uri="{FF2B5EF4-FFF2-40B4-BE49-F238E27FC236}">
-                <a16:creationId xmlns:a16="http://schemas.microsoft.com/office/drawing/2014/main" id="{9765D031-F022-1412-2399-BB6C1D206E96}"/>
+                <a16:creationId xmlns:a16="http://schemas.microsoft.com/office/drawing/2014/main" id="{75C1D919-9100-250F-6CE4-BD9F6AE4BF9E}"/>
               </a:ext>
             </a:extLst>
           </p:cNvPr>
@@ -10897,23 +11751,15 @@
           <a:p>
             <a:r>
               <a:rPr lang="ko-KR" altLang="en-US" dirty="0"/>
-              <a:t>회원가입 </a:t>
-            </a:r>
-            <a:r>
-              <a:rPr lang="en-US" altLang="ko-KR" dirty="0"/>
-              <a:t>/ </a:t>
-            </a:r>
-            <a:r>
-              <a:rPr lang="ko-KR" altLang="en-US" dirty="0"/>
-              <a:t>로그인 </a:t>
-            </a:r>
-            <a:r>
-              <a:rPr lang="en-US" altLang="ko-KR" dirty="0"/>
-              <a:t>/ </a:t>
-            </a:r>
-            <a:r>
-              <a:rPr lang="ko-KR" altLang="en-US" dirty="0"/>
-              <a:t>회원정보수정</a:t>
+              <a:t>회원 </a:t>
+            </a:r>
+            <a:r>
+              <a:rPr lang="en-US" altLang="ko-KR" dirty="0"/>
+              <a:t>DB </a:t>
+            </a:r>
+            <a:r>
+              <a:rPr lang="ko-KR" altLang="en-US" dirty="0"/>
+              <a:t>생성</a:t>
             </a:r>
           </a:p>
         </p:txBody>
@@ -10923,7 +11769,7 @@
           <p:cNvPr id="3" name="내용 개체 틀 2">
             <a:extLst>
               <a:ext uri="{FF2B5EF4-FFF2-40B4-BE49-F238E27FC236}">
-                <a16:creationId xmlns:a16="http://schemas.microsoft.com/office/drawing/2014/main" id="{B2AB5DE4-B655-A773-A323-05932321340B}"/>
+                <a16:creationId xmlns:a16="http://schemas.microsoft.com/office/drawing/2014/main" id="{9320B69B-114B-38C6-E98B-942F57F9EC6B}"/>
               </a:ext>
             </a:extLst>
           </p:cNvPr>
@@ -10934,163 +11780,77 @@
             <p:ph idx="1"/>
           </p:nvPr>
         </p:nvSpPr>
-        <p:spPr>
-          <a:xfrm>
-            <a:off x="838200" y="1825625"/>
-            <a:ext cx="11092132" cy="4351338"/>
-          </a:xfrm>
-        </p:spPr>
+        <p:spPr/>
         <p:txBody>
           <a:bodyPr/>
           <a:lstStyle/>
           <a:p>
             <a:r>
-              <a:rPr lang="ko-KR" altLang="en-US" dirty="0"/>
-              <a:t>관리자 입장 </a:t>
-            </a:r>
-            <a:r>
-              <a:rPr lang="en-US" altLang="ko-KR" dirty="0"/>
-              <a:t>=&gt; </a:t>
-            </a:r>
-            <a:r>
-              <a:rPr lang="ko-KR" altLang="en-US" dirty="0"/>
-              <a:t>회원리스트</a:t>
-            </a:r>
-            <a:endParaRPr lang="en-US" altLang="ko-KR" dirty="0"/>
-          </a:p>
-          <a:p>
-            <a:endParaRPr lang="en-US" altLang="ko-KR" dirty="0"/>
-          </a:p>
-          <a:p>
-            <a:r>
-              <a:rPr lang="ko-KR" altLang="en-US" sz="2300" dirty="0"/>
-              <a:t>일반유저 입장</a:t>
-            </a:r>
-            <a:r>
-              <a:rPr lang="en-US" altLang="ko-KR" sz="2300" dirty="0"/>
-              <a:t> =&gt; </a:t>
-            </a:r>
-            <a:r>
-              <a:rPr lang="ko-KR" altLang="en-US" sz="2300" dirty="0"/>
-              <a:t>회원가입 </a:t>
-            </a:r>
-            <a:r>
-              <a:rPr lang="en-US" altLang="ko-KR" sz="2300" dirty="0"/>
-              <a:t>/ </a:t>
-            </a:r>
-            <a:r>
-              <a:rPr lang="ko-KR" altLang="en-US" sz="2300" dirty="0"/>
-              <a:t>로그인 </a:t>
-            </a:r>
-            <a:r>
-              <a:rPr lang="en-US" altLang="ko-KR" sz="2300" dirty="0"/>
-              <a:t>/ </a:t>
-            </a:r>
-            <a:r>
-              <a:rPr lang="ko-KR" altLang="en-US" sz="2300" dirty="0"/>
-              <a:t>회원정보 보기</a:t>
-            </a:r>
-            <a:r>
-              <a:rPr lang="en-US" altLang="ko-KR" sz="2300" dirty="0"/>
-              <a:t>/ </a:t>
-            </a:r>
-            <a:r>
-              <a:rPr lang="ko-KR" altLang="en-US" sz="2300" dirty="0"/>
-              <a:t>회원정보 수정 </a:t>
-            </a:r>
-            <a:r>
-              <a:rPr lang="en-US" altLang="ko-KR" sz="2300" dirty="0"/>
-              <a:t>/</a:t>
-            </a:r>
-            <a:r>
-              <a:rPr lang="ko-KR" altLang="en-US" sz="2300" dirty="0"/>
-              <a:t> 탈퇴버튼</a:t>
-            </a:r>
-            <a:endParaRPr lang="en-US" altLang="ko-KR" sz="2300" dirty="0"/>
-          </a:p>
-          <a:p>
-            <a:endParaRPr lang="en-US" altLang="ko-KR" sz="2300" dirty="0"/>
-          </a:p>
-          <a:p>
-            <a:r>
-              <a:rPr lang="en-US" altLang="ko-KR" sz="2300" dirty="0"/>
-              <a:t>JSP </a:t>
-            </a:r>
-            <a:r>
-              <a:rPr lang="ko-KR" altLang="en-US" sz="2300" dirty="0"/>
-              <a:t>화면</a:t>
-            </a:r>
-            <a:endParaRPr lang="en-US" altLang="ko-KR" sz="2300" dirty="0"/>
-          </a:p>
-          <a:p>
-            <a:r>
-              <a:rPr lang="en-US" altLang="ko-KR" sz="2300" dirty="0" err="1"/>
-              <a:t>index.jsp</a:t>
-            </a:r>
-            <a:r>
-              <a:rPr lang="en-US" altLang="ko-KR" sz="2300" dirty="0"/>
-              <a:t> -&gt; (</a:t>
-            </a:r>
-            <a:r>
-              <a:rPr lang="ko-KR" altLang="en-US" sz="2300" dirty="0"/>
-              <a:t>로그인 창 처럼 수정</a:t>
-            </a:r>
-            <a:r>
-              <a:rPr lang="en-US" altLang="ko-KR" sz="2300" dirty="0"/>
-              <a:t>)</a:t>
-            </a:r>
-          </a:p>
-          <a:p>
-            <a:r>
-              <a:rPr lang="en-US" altLang="ko-KR" sz="2300" dirty="0" err="1"/>
-              <a:t>join.jsp</a:t>
-            </a:r>
-            <a:r>
-              <a:rPr lang="en-US" altLang="ko-KR" sz="2300" dirty="0"/>
-              <a:t> -&gt; </a:t>
-            </a:r>
-            <a:r>
-              <a:rPr lang="ko-KR" altLang="en-US" sz="2300" dirty="0"/>
-              <a:t>회원가입</a:t>
-            </a:r>
-            <a:endParaRPr lang="en-US" altLang="ko-KR" sz="2300" dirty="0"/>
-          </a:p>
-          <a:p>
-            <a:r>
-              <a:rPr lang="en-US" altLang="ko-KR" sz="2300" dirty="0" err="1"/>
-              <a:t>list.jsp</a:t>
-            </a:r>
-            <a:r>
-              <a:rPr lang="en-US" altLang="ko-KR" sz="2300" dirty="0"/>
-              <a:t> -&gt; </a:t>
-            </a:r>
-            <a:r>
-              <a:rPr lang="ko-KR" altLang="en-US" sz="2300" dirty="0"/>
-              <a:t>회원리스트</a:t>
-            </a:r>
-            <a:endParaRPr lang="en-US" altLang="ko-KR" sz="2300" dirty="0"/>
-          </a:p>
-          <a:p>
-            <a:r>
-              <a:rPr lang="en-US" altLang="ko-KR" sz="2300" dirty="0" err="1"/>
-              <a:t>modify.jsp</a:t>
-            </a:r>
-            <a:r>
-              <a:rPr lang="en-US" altLang="ko-KR" sz="2300" dirty="0"/>
-              <a:t> -&gt; </a:t>
-            </a:r>
-            <a:r>
-              <a:rPr lang="ko-KR" altLang="en-US" sz="2300" dirty="0"/>
-              <a:t>수정</a:t>
-            </a:r>
-            <a:endParaRPr lang="en-US" altLang="ko-KR" sz="2300" dirty="0"/>
+              <a:rPr lang="en-US" altLang="ko-KR" dirty="0"/>
+              <a:t>create table member(</a:t>
+            </a:r>
+          </a:p>
+          <a:p>
+            <a:r>
+              <a:rPr lang="en-US" altLang="ko-KR" dirty="0"/>
+              <a:t>id varchar(100),</a:t>
+            </a:r>
+          </a:p>
+          <a:p>
+            <a:r>
+              <a:rPr lang="en-US" altLang="ko-KR" dirty="0" err="1"/>
+              <a:t>pwd</a:t>
+            </a:r>
+            <a:r>
+              <a:rPr lang="en-US" altLang="ko-KR" dirty="0"/>
+              <a:t> varchar(100) not null,</a:t>
+            </a:r>
+          </a:p>
+          <a:p>
+            <a:r>
+              <a:rPr lang="en-US" altLang="ko-KR" dirty="0"/>
+              <a:t>email varchar(100) not null,</a:t>
+            </a:r>
+          </a:p>
+          <a:p>
+            <a:r>
+              <a:rPr lang="en-US" altLang="ko-KR" dirty="0"/>
+              <a:t>age int default 0,</a:t>
+            </a:r>
+          </a:p>
+          <a:p>
+            <a:r>
+              <a:rPr lang="en-US" altLang="ko-KR" dirty="0" err="1"/>
+              <a:t>regdate</a:t>
+            </a:r>
+            <a:r>
+              <a:rPr lang="en-US" altLang="ko-KR" dirty="0"/>
+              <a:t> datetime default now(),</a:t>
+            </a:r>
+          </a:p>
+          <a:p>
+            <a:r>
+              <a:rPr lang="en-US" altLang="ko-KR" dirty="0" err="1"/>
+              <a:t>lastlogin</a:t>
+            </a:r>
+            <a:r>
+              <a:rPr lang="en-US" altLang="ko-KR" dirty="0"/>
+              <a:t> datetime default now(),</a:t>
+            </a:r>
+          </a:p>
+          <a:p>
+            <a:r>
+              <a:rPr lang="en-US" altLang="ko-KR" dirty="0"/>
+              <a:t>primary key(id));</a:t>
+            </a:r>
+            <a:endParaRPr lang="ko-KR" altLang="en-US" dirty="0"/>
           </a:p>
         </p:txBody>
       </p:sp>
     </p:spTree>
     <p:extLst>
       <p:ext uri="{BB962C8B-B14F-4D97-AF65-F5344CB8AC3E}">
-        <p14:creationId xmlns:p14="http://schemas.microsoft.com/office/powerpoint/2010/main" val="2989623749"/>
+        <p14:creationId xmlns:p14="http://schemas.microsoft.com/office/powerpoint/2010/main" val="1854592406"/>
       </p:ext>
     </p:extLst>
   </p:cSld>
